--- a/WebDev-03-MVC.pptx
+++ b/WebDev-03-MVC.pptx
@@ -226,7 +226,7 @@
             <a:fld id="{2C5F02C1-A2C2-45D1-8D60-D454C04B5E27}" type="datetimeFigureOut">
               <a:rPr lang="es-CO" smtClean="0"/>
               <a:pPr/>
-              <a:t>25/04/2022</a:t>
+              <a:t>21/08/2023</a:t>
             </a:fld>
             <a:endParaRPr lang="es-CO" dirty="0"/>
           </a:p>
@@ -292,35 +292,35 @@
           <a:p>
             <a:pPr lvl="0"/>
             <a:r>
-              <a:rPr lang="en-US" smtClean="0"/>
+              <a:rPr lang="en-US"/>
               <a:t>Click to edit Master text styles</a:t>
             </a:r>
           </a:p>
           <a:p>
             <a:pPr lvl="1"/>
             <a:r>
-              <a:rPr lang="en-US" smtClean="0"/>
+              <a:rPr lang="en-US"/>
               <a:t>Second level</a:t>
             </a:r>
           </a:p>
           <a:p>
             <a:pPr lvl="2"/>
             <a:r>
-              <a:rPr lang="en-US" smtClean="0"/>
+              <a:rPr lang="en-US"/>
               <a:t>Third level</a:t>
             </a:r>
           </a:p>
           <a:p>
             <a:pPr lvl="3"/>
             <a:r>
-              <a:rPr lang="en-US" smtClean="0"/>
+              <a:rPr lang="en-US"/>
               <a:t>Fourth level</a:t>
             </a:r>
           </a:p>
           <a:p>
             <a:pPr lvl="4"/>
             <a:r>
-              <a:rPr lang="en-US" smtClean="0"/>
+              <a:rPr lang="en-US"/>
               <a:t>Fifth level</a:t>
             </a:r>
             <a:endParaRPr lang="es-CO"/>
@@ -637,14 +637,14 @@
           <a:effectLst/>
           <a:extLst>
             <a:ext uri="{909E8E84-426E-40dd-AFC4-6F175D3DCCD1}">
-              <a14:hiddenFill xmlns="" xmlns:a14="http://schemas.microsoft.com/office/drawing/2010/main">
+              <a14:hiddenFill xmlns:a14="http://schemas.microsoft.com/office/drawing/2010/main" xmlns="">
                 <a:solidFill>
                   <a:schemeClr val="accent1"/>
                 </a:solidFill>
               </a14:hiddenFill>
             </a:ext>
             <a:ext uri="{91240B29-F687-4f45-9708-019B960494DF}">
-              <a14:hiddenLine xmlns="" xmlns:a14="http://schemas.microsoft.com/office/drawing/2010/main" w="9525">
+              <a14:hiddenLine xmlns:a14="http://schemas.microsoft.com/office/drawing/2010/main" xmlns="" w="9525">
                 <a:solidFill>
                   <a:schemeClr val="tx1"/>
                 </a:solidFill>
@@ -654,7 +654,7 @@
               </a14:hiddenLine>
             </a:ext>
             <a:ext uri="{AF507438-7753-43e0-B8FC-AC1667EBCBE1}">
-              <a14:hiddenEffects xmlns="" xmlns:a14="http://schemas.microsoft.com/office/drawing/2010/main">
+              <a14:hiddenEffects xmlns:a14="http://schemas.microsoft.com/office/drawing/2010/main" xmlns="">
                 <a:effectLst>
                   <a:outerShdw dist="35921" dir="2700000" algn="ctr" rotWithShape="0">
                     <a:schemeClr val="bg2"/>
@@ -701,7 +701,7 @@
           </a:lstStyle>
           <a:p>
             <a:r>
-              <a:rPr lang="en-US" smtClean="0"/>
+              <a:rPr lang="en-US"/>
               <a:t>Click to edit Master title style</a:t>
             </a:r>
             <a:endParaRPr lang="es-CO"/>
@@ -820,7 +820,7 @@
           </a:lstStyle>
           <a:p>
             <a:r>
-              <a:rPr lang="en-US" smtClean="0"/>
+              <a:rPr lang="en-US"/>
               <a:t>Click to edit Master subtitle style</a:t>
             </a:r>
             <a:endParaRPr lang="es-CO"/>
@@ -845,7 +845,7 @@
             <a:fld id="{42C1F1CB-57C8-46CD-A207-903DDF210919}" type="datetimeFigureOut">
               <a:rPr lang="es-CO" smtClean="0"/>
               <a:pPr/>
-              <a:t>25/04/2022</a:t>
+              <a:t>21/08/2023</a:t>
             </a:fld>
             <a:endParaRPr lang="es-CO" dirty="0"/>
           </a:p>
@@ -955,14 +955,14 @@
           <a:effectLst/>
           <a:extLst>
             <a:ext uri="{909E8E84-426E-40dd-AFC4-6F175D3DCCD1}">
-              <a14:hiddenFill xmlns="" xmlns:a14="http://schemas.microsoft.com/office/drawing/2010/main">
+              <a14:hiddenFill xmlns:a14="http://schemas.microsoft.com/office/drawing/2010/main" xmlns="">
                 <a:solidFill>
                   <a:schemeClr val="accent1"/>
                 </a:solidFill>
               </a14:hiddenFill>
             </a:ext>
             <a:ext uri="{91240B29-F687-4f45-9708-019B960494DF}">
-              <a14:hiddenLine xmlns="" xmlns:a14="http://schemas.microsoft.com/office/drawing/2010/main" w="9525">
+              <a14:hiddenLine xmlns:a14="http://schemas.microsoft.com/office/drawing/2010/main" xmlns="" w="9525">
                 <a:solidFill>
                   <a:schemeClr val="tx1"/>
                 </a:solidFill>
@@ -972,7 +972,7 @@
               </a14:hiddenLine>
             </a:ext>
             <a:ext uri="{AF507438-7753-43e0-B8FC-AC1667EBCBE1}">
-              <a14:hiddenEffects xmlns="" xmlns:a14="http://schemas.microsoft.com/office/drawing/2010/main">
+              <a14:hiddenEffects xmlns:a14="http://schemas.microsoft.com/office/drawing/2010/main" xmlns="">
                 <a:effectLst>
                   <a:outerShdw dist="35921" dir="2700000" algn="ctr" rotWithShape="0">
                     <a:schemeClr val="bg2"/>
@@ -1019,7 +1019,7 @@
           </a:lstStyle>
           <a:p>
             <a:r>
-              <a:rPr lang="en-US" smtClean="0"/>
+              <a:rPr lang="en-US"/>
               <a:t>Click to edit Master title style</a:t>
             </a:r>
             <a:endParaRPr lang="es-CO"/>
@@ -1138,7 +1138,7 @@
           </a:lstStyle>
           <a:p>
             <a:r>
-              <a:rPr lang="en-US" smtClean="0"/>
+              <a:rPr lang="en-US"/>
               <a:t>Click to edit Master subtitle style</a:t>
             </a:r>
             <a:endParaRPr lang="es-CO"/>
@@ -1163,7 +1163,7 @@
             <a:fld id="{42C1F1CB-57C8-46CD-A207-903DDF210919}" type="datetimeFigureOut">
               <a:rPr lang="es-CO" smtClean="0"/>
               <a:pPr/>
-              <a:t>25/04/2022</a:t>
+              <a:t>21/08/2023</a:t>
             </a:fld>
             <a:endParaRPr lang="es-CO" dirty="0"/>
           </a:p>
@@ -1273,14 +1273,14 @@
           <a:effectLst/>
           <a:extLst>
             <a:ext uri="{909E8E84-426E-40dd-AFC4-6F175D3DCCD1}">
-              <a14:hiddenFill xmlns="" xmlns:a14="http://schemas.microsoft.com/office/drawing/2010/main">
+              <a14:hiddenFill xmlns:a14="http://schemas.microsoft.com/office/drawing/2010/main" xmlns="">
                 <a:solidFill>
                   <a:schemeClr val="accent1"/>
                 </a:solidFill>
               </a14:hiddenFill>
             </a:ext>
             <a:ext uri="{91240B29-F687-4f45-9708-019B960494DF}">
-              <a14:hiddenLine xmlns="" xmlns:a14="http://schemas.microsoft.com/office/drawing/2010/main" w="9525">
+              <a14:hiddenLine xmlns:a14="http://schemas.microsoft.com/office/drawing/2010/main" xmlns="" w="9525">
                 <a:solidFill>
                   <a:schemeClr val="tx1"/>
                 </a:solidFill>
@@ -1290,7 +1290,7 @@
               </a14:hiddenLine>
             </a:ext>
             <a:ext uri="{AF507438-7753-43e0-B8FC-AC1667EBCBE1}">
-              <a14:hiddenEffects xmlns="" xmlns:a14="http://schemas.microsoft.com/office/drawing/2010/main">
+              <a14:hiddenEffects xmlns:a14="http://schemas.microsoft.com/office/drawing/2010/main" xmlns="">
                 <a:effectLst>
                   <a:outerShdw dist="35921" dir="2700000" algn="ctr" rotWithShape="0">
                     <a:schemeClr val="bg2"/>
@@ -1322,7 +1322,7 @@
           <a:lstStyle/>
           <a:p>
             <a:r>
-              <a:rPr lang="en-US" smtClean="0"/>
+              <a:rPr lang="en-US"/>
               <a:t>Click to edit Master title style</a:t>
             </a:r>
             <a:endParaRPr lang="es-CO"/>
@@ -1364,35 +1364,35 @@
           <a:p>
             <a:pPr lvl="0"/>
             <a:r>
-              <a:rPr lang="en-US" dirty="0" smtClean="0"/>
+              <a:rPr lang="en-US" dirty="0"/>
               <a:t>Click to edit Master text styles</a:t>
             </a:r>
           </a:p>
           <a:p>
             <a:pPr lvl="1"/>
             <a:r>
-              <a:rPr lang="en-US" dirty="0" smtClean="0"/>
+              <a:rPr lang="en-US" dirty="0"/>
               <a:t>Second level</a:t>
             </a:r>
           </a:p>
           <a:p>
             <a:pPr lvl="2"/>
             <a:r>
-              <a:rPr lang="en-US" dirty="0" smtClean="0"/>
+              <a:rPr lang="en-US" dirty="0"/>
               <a:t>Third level</a:t>
             </a:r>
           </a:p>
           <a:p>
             <a:pPr lvl="3"/>
             <a:r>
-              <a:rPr lang="en-US" dirty="0" smtClean="0"/>
+              <a:rPr lang="en-US" dirty="0"/>
               <a:t>Fourth level</a:t>
             </a:r>
           </a:p>
           <a:p>
             <a:pPr lvl="4"/>
             <a:r>
-              <a:rPr lang="en-US" dirty="0" smtClean="0"/>
+              <a:rPr lang="en-US" dirty="0"/>
               <a:t>Fifth level</a:t>
             </a:r>
             <a:endParaRPr lang="es-CO" dirty="0"/>
@@ -1417,7 +1417,7 @@
             <a:fld id="{42C1F1CB-57C8-46CD-A207-903DDF210919}" type="datetimeFigureOut">
               <a:rPr lang="es-CO" smtClean="0"/>
               <a:pPr/>
-              <a:t>25/04/2022</a:t>
+              <a:t>21/08/2023</a:t>
             </a:fld>
             <a:endParaRPr lang="es-CO" dirty="0"/>
           </a:p>
@@ -1527,14 +1527,14 @@
           <a:effectLst/>
           <a:extLst>
             <a:ext uri="{909E8E84-426E-40dd-AFC4-6F175D3DCCD1}">
-              <a14:hiddenFill xmlns="" xmlns:a14="http://schemas.microsoft.com/office/drawing/2010/main">
+              <a14:hiddenFill xmlns:a14="http://schemas.microsoft.com/office/drawing/2010/main" xmlns="">
                 <a:solidFill>
                   <a:schemeClr val="accent1"/>
                 </a:solidFill>
               </a14:hiddenFill>
             </a:ext>
             <a:ext uri="{91240B29-F687-4f45-9708-019B960494DF}">
-              <a14:hiddenLine xmlns="" xmlns:a14="http://schemas.microsoft.com/office/drawing/2010/main" w="9525">
+              <a14:hiddenLine xmlns:a14="http://schemas.microsoft.com/office/drawing/2010/main" xmlns="" w="9525">
                 <a:solidFill>
                   <a:schemeClr val="tx1"/>
                 </a:solidFill>
@@ -1544,7 +1544,7 @@
               </a14:hiddenLine>
             </a:ext>
             <a:ext uri="{AF507438-7753-43e0-B8FC-AC1667EBCBE1}">
-              <a14:hiddenEffects xmlns="" xmlns:a14="http://schemas.microsoft.com/office/drawing/2010/main">
+              <a14:hiddenEffects xmlns:a14="http://schemas.microsoft.com/office/drawing/2010/main" xmlns="">
                 <a:effectLst>
                   <a:outerShdw dist="35921" dir="2700000" algn="ctr" rotWithShape="0">
                     <a:schemeClr val="bg2"/>
@@ -1576,7 +1576,7 @@
           <a:lstStyle/>
           <a:p>
             <a:r>
-              <a:rPr lang="en-US" smtClean="0"/>
+              <a:rPr lang="en-US"/>
               <a:t>Click to edit Master title style</a:t>
             </a:r>
             <a:endParaRPr lang="es-CO"/>
@@ -1613,35 +1613,35 @@
           <a:p>
             <a:pPr lvl="0"/>
             <a:r>
-              <a:rPr lang="en-US" dirty="0" smtClean="0"/>
+              <a:rPr lang="en-US" dirty="0"/>
               <a:t>Click to edit Master text styles</a:t>
             </a:r>
           </a:p>
           <a:p>
             <a:pPr lvl="1"/>
             <a:r>
-              <a:rPr lang="en-US" dirty="0" smtClean="0"/>
+              <a:rPr lang="en-US" dirty="0"/>
               <a:t>Second level</a:t>
             </a:r>
           </a:p>
           <a:p>
             <a:pPr lvl="2"/>
             <a:r>
-              <a:rPr lang="en-US" dirty="0" smtClean="0"/>
+              <a:rPr lang="en-US" dirty="0"/>
               <a:t>Third level</a:t>
             </a:r>
           </a:p>
           <a:p>
             <a:pPr lvl="3"/>
             <a:r>
-              <a:rPr lang="en-US" dirty="0" smtClean="0"/>
+              <a:rPr lang="en-US" dirty="0"/>
               <a:t>Fourth level</a:t>
             </a:r>
           </a:p>
           <a:p>
             <a:pPr lvl="4"/>
             <a:r>
-              <a:rPr lang="en-US" dirty="0" smtClean="0"/>
+              <a:rPr lang="en-US" dirty="0"/>
               <a:t>Fifth level</a:t>
             </a:r>
             <a:endParaRPr lang="es-CO" dirty="0"/>
@@ -1666,7 +1666,7 @@
             <a:fld id="{42C1F1CB-57C8-46CD-A207-903DDF210919}" type="datetimeFigureOut">
               <a:rPr lang="es-CO" smtClean="0"/>
               <a:pPr/>
-              <a:t>25/04/2022</a:t>
+              <a:t>21/08/2023</a:t>
             </a:fld>
             <a:endParaRPr lang="es-CO" dirty="0"/>
           </a:p>
@@ -1776,14 +1776,14 @@
           <a:effectLst/>
           <a:extLst>
             <a:ext uri="{909E8E84-426E-40dd-AFC4-6F175D3DCCD1}">
-              <a14:hiddenFill xmlns="" xmlns:a14="http://schemas.microsoft.com/office/drawing/2010/main">
+              <a14:hiddenFill xmlns:a14="http://schemas.microsoft.com/office/drawing/2010/main" xmlns="">
                 <a:solidFill>
                   <a:schemeClr val="accent1"/>
                 </a:solidFill>
               </a14:hiddenFill>
             </a:ext>
             <a:ext uri="{91240B29-F687-4f45-9708-019B960494DF}">
-              <a14:hiddenLine xmlns="" xmlns:a14="http://schemas.microsoft.com/office/drawing/2010/main" w="9525">
+              <a14:hiddenLine xmlns:a14="http://schemas.microsoft.com/office/drawing/2010/main" xmlns="" w="9525">
                 <a:solidFill>
                   <a:schemeClr val="tx1"/>
                 </a:solidFill>
@@ -1793,7 +1793,7 @@
               </a14:hiddenLine>
             </a:ext>
             <a:ext uri="{AF507438-7753-43e0-B8FC-AC1667EBCBE1}">
-              <a14:hiddenEffects xmlns="" xmlns:a14="http://schemas.microsoft.com/office/drawing/2010/main">
+              <a14:hiddenEffects xmlns:a14="http://schemas.microsoft.com/office/drawing/2010/main" xmlns="">
                 <a:effectLst>
                   <a:outerShdw dist="35921" dir="2700000" algn="ctr" rotWithShape="0">
                     <a:schemeClr val="bg2"/>
@@ -1825,7 +1825,7 @@
           <a:lstStyle/>
           <a:p>
             <a:r>
-              <a:rPr lang="en-US" smtClean="0"/>
+              <a:rPr lang="en-US"/>
               <a:t>Click to edit Master title style</a:t>
             </a:r>
             <a:endParaRPr lang="es-CO"/>
@@ -1862,35 +1862,35 @@
           <a:p>
             <a:pPr lvl="0"/>
             <a:r>
-              <a:rPr lang="en-US" dirty="0" smtClean="0"/>
+              <a:rPr lang="en-US" dirty="0"/>
               <a:t>Click to edit Master text styles</a:t>
             </a:r>
           </a:p>
           <a:p>
             <a:pPr lvl="1"/>
             <a:r>
-              <a:rPr lang="en-US" dirty="0" smtClean="0"/>
+              <a:rPr lang="en-US" dirty="0"/>
               <a:t>Second level</a:t>
             </a:r>
           </a:p>
           <a:p>
             <a:pPr lvl="2"/>
             <a:r>
-              <a:rPr lang="en-US" dirty="0" smtClean="0"/>
+              <a:rPr lang="en-US" dirty="0"/>
               <a:t>Third level</a:t>
             </a:r>
           </a:p>
           <a:p>
             <a:pPr lvl="3"/>
             <a:r>
-              <a:rPr lang="en-US" dirty="0" smtClean="0"/>
+              <a:rPr lang="en-US" dirty="0"/>
               <a:t>Fourth level</a:t>
             </a:r>
           </a:p>
           <a:p>
             <a:pPr lvl="4"/>
             <a:r>
-              <a:rPr lang="en-US" dirty="0" smtClean="0"/>
+              <a:rPr lang="en-US" dirty="0"/>
               <a:t>Fifth level</a:t>
             </a:r>
             <a:endParaRPr lang="es-CO" dirty="0"/>
@@ -1915,7 +1915,7 @@
             <a:fld id="{42C1F1CB-57C8-46CD-A207-903DDF210919}" type="datetimeFigureOut">
               <a:rPr lang="es-CO" smtClean="0"/>
               <a:pPr/>
-              <a:t>25/04/2022</a:t>
+              <a:t>21/08/2023</a:t>
             </a:fld>
             <a:endParaRPr lang="es-CO" dirty="0"/>
           </a:p>
@@ -2000,14 +2000,14 @@
           <a:effectLst/>
           <a:extLst>
             <a:ext uri="{909E8E84-426E-40dd-AFC4-6F175D3DCCD1}">
-              <a14:hiddenFill xmlns="" xmlns:a14="http://schemas.microsoft.com/office/drawing/2010/main">
+              <a14:hiddenFill xmlns:a14="http://schemas.microsoft.com/office/drawing/2010/main" xmlns="">
                 <a:solidFill>
                   <a:schemeClr val="accent1"/>
                 </a:solidFill>
               </a14:hiddenFill>
             </a:ext>
             <a:ext uri="{91240B29-F687-4f45-9708-019B960494DF}">
-              <a14:hiddenLine xmlns="" xmlns:a14="http://schemas.microsoft.com/office/drawing/2010/main" w="9525">
+              <a14:hiddenLine xmlns:a14="http://schemas.microsoft.com/office/drawing/2010/main" xmlns="" w="9525">
                 <a:solidFill>
                   <a:schemeClr val="tx1"/>
                 </a:solidFill>
@@ -2017,7 +2017,7 @@
               </a14:hiddenLine>
             </a:ext>
             <a:ext uri="{AF507438-7753-43e0-B8FC-AC1667EBCBE1}">
-              <a14:hiddenEffects xmlns="" xmlns:a14="http://schemas.microsoft.com/office/drawing/2010/main">
+              <a14:hiddenEffects xmlns:a14="http://schemas.microsoft.com/office/drawing/2010/main" xmlns="">
                 <a:effectLst>
                   <a:outerShdw dist="35921" dir="2700000" algn="ctr" rotWithShape="0">
                     <a:schemeClr val="bg2"/>
@@ -2084,7 +2084,7 @@
           <a:lstStyle/>
           <a:p>
             <a:r>
-              <a:rPr lang="en-US" smtClean="0"/>
+              <a:rPr lang="en-US"/>
               <a:t>Click to edit Master title style</a:t>
             </a:r>
             <a:endParaRPr lang="es-CO"/>
@@ -2118,35 +2118,35 @@
           <a:p>
             <a:pPr lvl="0"/>
             <a:r>
-              <a:rPr lang="en-US" smtClean="0"/>
+              <a:rPr lang="en-US"/>
               <a:t>Click to edit Master text styles</a:t>
             </a:r>
           </a:p>
           <a:p>
             <a:pPr lvl="1"/>
             <a:r>
-              <a:rPr lang="en-US" smtClean="0"/>
+              <a:rPr lang="en-US"/>
               <a:t>Second level</a:t>
             </a:r>
           </a:p>
           <a:p>
             <a:pPr lvl="2"/>
             <a:r>
-              <a:rPr lang="en-US" smtClean="0"/>
+              <a:rPr lang="en-US"/>
               <a:t>Third level</a:t>
             </a:r>
           </a:p>
           <a:p>
             <a:pPr lvl="3"/>
             <a:r>
-              <a:rPr lang="en-US" smtClean="0"/>
+              <a:rPr lang="en-US"/>
               <a:t>Fourth level</a:t>
             </a:r>
           </a:p>
           <a:p>
             <a:pPr lvl="4"/>
             <a:r>
-              <a:rPr lang="en-US" smtClean="0"/>
+              <a:rPr lang="en-US"/>
               <a:t>Fifth level</a:t>
             </a:r>
             <a:endParaRPr lang="es-CO" dirty="0"/>
@@ -2189,7 +2189,7 @@
             <a:fld id="{42C1F1CB-57C8-46CD-A207-903DDF210919}" type="datetimeFigureOut">
               <a:rPr lang="es-CO" smtClean="0"/>
               <a:pPr/>
-              <a:t>25/04/2022</a:t>
+              <a:t>21/08/2023</a:t>
             </a:fld>
             <a:endParaRPr lang="es-CO" dirty="0"/>
           </a:p>
@@ -2609,10 +2609,9 @@
           <a:lstStyle/>
           <a:p>
             <a:r>
-              <a:rPr lang="es-CO" dirty="0" smtClean="0"/>
+              <a:rPr lang="es-CO" dirty="0"/>
               <a:t>Modelo Vista Controlador</a:t>
             </a:r>
-            <a:endParaRPr lang="es-CO" dirty="0" smtClean="0"/>
           </a:p>
         </p:txBody>
       </p:sp>
@@ -2637,11 +2636,11 @@
           <a:lstStyle/>
           <a:p>
             <a:r>
-              <a:rPr lang="es-CO" sz="8000" dirty="0" smtClean="0"/>
+              <a:rPr lang="es-CO" sz="8000" dirty="0"/>
               <a:t>M.V.C. </a:t>
             </a:r>
             <a:r>
-              <a:rPr lang="es-CO" sz="8000" dirty="0" err="1" smtClean="0"/>
+              <a:rPr lang="es-CO" sz="8000" dirty="0" err="1"/>
               <a:t>Pattern</a:t>
             </a:r>
             <a:endParaRPr lang="es-CO" sz="8000" dirty="0"/>
@@ -2671,10 +2670,9 @@
           <a:lstStyle/>
           <a:p>
             <a:r>
-              <a:rPr lang="es-CO" dirty="0" smtClean="0"/>
+              <a:rPr lang="es-CO" dirty="0"/>
               <a:t>Julio Cesar Robles Uribe</a:t>
             </a:r>
-            <a:endParaRPr lang="es-CO" dirty="0"/>
           </a:p>
         </p:txBody>
       </p:sp>
@@ -2701,18 +2699,13 @@
           <a:lstStyle/>
           <a:p>
             <a:r>
-              <a:rPr lang="es-CO" sz="1400" dirty="0" smtClean="0">
+              <a:rPr lang="es-CO" sz="1400" dirty="0">
                 <a:solidFill>
                   <a:srgbClr val="0070C0"/>
                 </a:solidFill>
               </a:rPr>
               <a:t>Arquitecto de Soluciones</a:t>
             </a:r>
-            <a:endParaRPr lang="es-CO" sz="1400" dirty="0">
-              <a:solidFill>
-                <a:srgbClr val="0070C0"/>
-              </a:solidFill>
-            </a:endParaRPr>
           </a:p>
         </p:txBody>
       </p:sp>
@@ -2751,13 +2744,6 @@
   <p:clrMapOvr>
     <a:masterClrMapping/>
   </p:clrMapOvr>
-  <p:timing>
-    <p:tnLst>
-      <p:par>
-        <p:cTn id="1" dur="indefinite" restart="never" nodeType="tmRoot"/>
-      </p:par>
-    </p:tnLst>
-  </p:timing>
 </p:sld>
 </file>
 
@@ -2794,7 +2780,7 @@
           <a:lstStyle/>
           <a:p>
             <a:r>
-              <a:rPr lang="es-CO" dirty="0" smtClean="0"/>
+              <a:rPr lang="es-CO" dirty="0"/>
               <a:t>MCV: Dinámica</a:t>
             </a:r>
             <a:endParaRPr lang="en-US" dirty="0"/>
@@ -2824,15 +2810,15 @@
           <a:lstStyle/>
           <a:p>
             <a:r>
-              <a:rPr lang="en-GB" dirty="0" err="1" smtClean="0"/>
+              <a:rPr lang="en-GB" dirty="0" err="1"/>
               <a:t>Escenario</a:t>
             </a:r>
             <a:r>
-              <a:rPr lang="en-GB" dirty="0" smtClean="0"/>
+              <a:rPr lang="en-GB" dirty="0"/>
               <a:t> I: </a:t>
             </a:r>
             <a:r>
-              <a:rPr lang="en-GB" dirty="0" smtClean="0">
+              <a:rPr lang="en-GB" dirty="0">
                 <a:solidFill>
                   <a:schemeClr val="tx1"/>
                 </a:solidFill>
@@ -2840,7 +2826,7 @@
               <a:t>Una Entrada del </a:t>
             </a:r>
             <a:r>
-              <a:rPr lang="en-GB" dirty="0" err="1" smtClean="0">
+              <a:rPr lang="en-GB" dirty="0" err="1">
                 <a:solidFill>
                   <a:schemeClr val="tx1"/>
                 </a:solidFill>
@@ -2848,7 +2834,7 @@
               <a:t>usuario</a:t>
             </a:r>
             <a:r>
-              <a:rPr lang="en-GB" dirty="0" smtClean="0">
+              <a:rPr lang="en-GB" dirty="0">
                 <a:solidFill>
                   <a:schemeClr val="tx1"/>
                 </a:solidFill>
@@ -2856,7 +2842,7 @@
               <a:t> cambia el </a:t>
             </a:r>
             <a:r>
-              <a:rPr lang="en-GB" dirty="0" err="1" smtClean="0">
+              <a:rPr lang="en-GB" dirty="0" err="1">
                 <a:solidFill>
                   <a:schemeClr val="tx1"/>
                 </a:solidFill>
@@ -2864,7 +2850,7 @@
               <a:t>modelo</a:t>
             </a:r>
             <a:r>
-              <a:rPr lang="en-GB" dirty="0" smtClean="0">
+              <a:rPr lang="en-GB" dirty="0">
                 <a:solidFill>
                   <a:schemeClr val="tx1"/>
                 </a:solidFill>
@@ -2872,7 +2858,7 @@
               <a:t> y </a:t>
             </a:r>
             <a:r>
-              <a:rPr lang="en-GB" dirty="0" err="1" smtClean="0">
+              <a:rPr lang="en-GB" dirty="0" err="1">
                 <a:solidFill>
                   <a:schemeClr val="tx1"/>
                 </a:solidFill>
@@ -2880,7 +2866,7 @@
               <a:t>dispara</a:t>
             </a:r>
             <a:r>
-              <a:rPr lang="en-GB" dirty="0" smtClean="0">
+              <a:rPr lang="en-GB" dirty="0">
                 <a:solidFill>
                   <a:schemeClr val="tx1"/>
                 </a:solidFill>
@@ -2888,7 +2874,7 @@
               <a:t> el </a:t>
             </a:r>
             <a:r>
-              <a:rPr lang="en-GB" dirty="0" err="1" smtClean="0">
+              <a:rPr lang="en-GB" dirty="0" err="1">
                 <a:solidFill>
                   <a:schemeClr val="tx1"/>
                 </a:solidFill>
@@ -2896,7 +2882,7 @@
               <a:t>mecanismo</a:t>
             </a:r>
             <a:r>
-              <a:rPr lang="en-GB" dirty="0" smtClean="0">
+              <a:rPr lang="en-GB" dirty="0">
                 <a:solidFill>
                   <a:schemeClr val="tx1"/>
                 </a:solidFill>
@@ -2904,7 +2890,7 @@
               <a:t> de </a:t>
             </a:r>
             <a:r>
-              <a:rPr lang="en-GB" dirty="0" err="1" smtClean="0">
+              <a:rPr lang="en-GB" dirty="0" err="1">
                 <a:solidFill>
                   <a:schemeClr val="tx1"/>
                 </a:solidFill>
@@ -2912,7 +2898,7 @@
               <a:t>cambio-propagación</a:t>
             </a:r>
             <a:r>
-              <a:rPr lang="en-GB" dirty="0" smtClean="0">
+              <a:rPr lang="en-GB" dirty="0">
                 <a:solidFill>
                   <a:schemeClr val="tx1"/>
                 </a:solidFill>
@@ -5157,13 +5143,6 @@
   <p:clrMapOvr>
     <a:masterClrMapping/>
   </p:clrMapOvr>
-  <p:timing>
-    <p:tnLst>
-      <p:par>
-        <p:cTn id="1" dur="indefinite" restart="never" nodeType="tmRoot"/>
-      </p:par>
-    </p:tnLst>
-  </p:timing>
 </p:sld>
 </file>
 
@@ -5200,7 +5179,7 @@
           <a:lstStyle/>
           <a:p>
             <a:r>
-              <a:rPr lang="es-CO" dirty="0" smtClean="0"/>
+              <a:rPr lang="es-CO" dirty="0"/>
               <a:t>MCV: Implementación</a:t>
             </a:r>
             <a:endParaRPr lang="en-US" dirty="0"/>
@@ -5230,7 +5209,7 @@
           <a:lstStyle/>
           <a:p>
             <a:r>
-              <a:rPr lang="es-ES" dirty="0" smtClean="0">
+              <a:rPr lang="es-ES" dirty="0">
                 <a:solidFill>
                   <a:schemeClr val="tx1"/>
                 </a:solidFill>
@@ -5240,7 +5219,7 @@
           </a:p>
           <a:p>
             <a:r>
-              <a:rPr lang="es-ES" dirty="0" smtClean="0">
+              <a:rPr lang="es-ES" dirty="0">
                 <a:solidFill>
                   <a:schemeClr val="tx1"/>
                 </a:solidFill>
@@ -5250,7 +5229,7 @@
           </a:p>
           <a:p>
             <a:r>
-              <a:rPr lang="es-ES" dirty="0" smtClean="0">
+              <a:rPr lang="es-ES" dirty="0">
                 <a:solidFill>
                   <a:schemeClr val="tx1"/>
                 </a:solidFill>
@@ -5261,10 +5240,10 @@
           <a:p>
             <a:pPr lvl="1"/>
             <a:r>
-              <a:rPr lang="es-ES" dirty="0" smtClean="0"/>
+              <a:rPr lang="es-ES" dirty="0"/>
               <a:t>Representación de los datos lógicos no físicos</a:t>
             </a:r>
-            <a:endParaRPr lang="es-ES" dirty="0" smtClean="0">
+            <a:endParaRPr lang="es-ES" dirty="0">
               <a:solidFill>
                 <a:schemeClr val="tx1"/>
               </a:solidFill>
@@ -5272,7 +5251,7 @@
           </a:p>
           <a:p>
             <a:r>
-              <a:rPr lang="es-ES" dirty="0" smtClean="0">
+              <a:rPr lang="es-ES" dirty="0">
                 <a:solidFill>
                   <a:schemeClr val="tx1"/>
                 </a:solidFill>
@@ -5283,26 +5262,26 @@
           <a:p>
             <a:pPr lvl="1"/>
             <a:r>
-              <a:rPr lang="en-GB" dirty="0" err="1" smtClean="0"/>
+              <a:rPr lang="en-GB" dirty="0" err="1"/>
               <a:t>Capturan</a:t>
             </a:r>
             <a:r>
-              <a:rPr lang="en-GB" dirty="0" smtClean="0"/>
+              <a:rPr lang="en-GB" dirty="0"/>
               <a:t> </a:t>
             </a:r>
             <a:r>
-              <a:rPr lang="en-GB" dirty="0" err="1" smtClean="0"/>
+              <a:rPr lang="en-GB" dirty="0" err="1"/>
               <a:t>diferentes</a:t>
             </a:r>
             <a:r>
-              <a:rPr lang="en-GB" dirty="0" smtClean="0"/>
+              <a:rPr lang="en-GB" dirty="0"/>
               <a:t> </a:t>
             </a:r>
             <a:r>
-              <a:rPr lang="en-GB" dirty="0" err="1" smtClean="0"/>
+              <a:rPr lang="en-GB" dirty="0" err="1"/>
               <a:t>eventos</a:t>
             </a:r>
-            <a:endParaRPr lang="es-ES" dirty="0" smtClean="0">
+            <a:endParaRPr lang="es-ES" dirty="0">
               <a:solidFill>
                 <a:schemeClr val="tx1"/>
               </a:solidFill>
@@ -5310,7 +5289,7 @@
           </a:p>
           <a:p>
             <a:r>
-              <a:rPr lang="es-ES" dirty="0" smtClean="0">
+              <a:rPr lang="es-ES" dirty="0">
                 <a:solidFill>
                   <a:schemeClr val="tx1"/>
                 </a:solidFill>
@@ -5320,7 +5299,7 @@
           </a:p>
           <a:p>
             <a:r>
-              <a:rPr lang="en-GB" sz="3200" dirty="0" err="1" smtClean="0">
+              <a:rPr lang="en-GB" sz="3200" dirty="0" err="1">
                 <a:solidFill>
                   <a:schemeClr val="tx1"/>
                 </a:solidFill>
@@ -5328,7 +5307,7 @@
               <a:t>Desacoplamiento</a:t>
             </a:r>
             <a:r>
-              <a:rPr lang="en-GB" sz="3200" dirty="0" smtClean="0">
+              <a:rPr lang="en-GB" sz="3200" dirty="0">
                 <a:solidFill>
                   <a:schemeClr val="tx1"/>
                 </a:solidFill>
@@ -5336,7 +5315,7 @@
               <a:t> de </a:t>
             </a:r>
             <a:r>
-              <a:rPr lang="en-GB" sz="3200" dirty="0" err="1" smtClean="0">
+              <a:rPr lang="en-GB" sz="3200" dirty="0" err="1">
                 <a:solidFill>
                   <a:schemeClr val="tx1"/>
                 </a:solidFill>
@@ -5344,7 +5323,7 @@
               <a:t>las</a:t>
             </a:r>
             <a:r>
-              <a:rPr lang="en-GB" sz="3200" dirty="0" smtClean="0">
+              <a:rPr lang="en-GB" sz="3200" dirty="0">
                 <a:solidFill>
                   <a:schemeClr val="tx1"/>
                 </a:solidFill>
@@ -5352,7 +5331,7 @@
               <a:t> </a:t>
             </a:r>
             <a:r>
-              <a:rPr lang="en-GB" sz="3200" dirty="0" err="1" smtClean="0">
+              <a:rPr lang="en-GB" sz="3200" dirty="0" err="1">
                 <a:solidFill>
                   <a:schemeClr val="tx1"/>
                 </a:solidFill>
@@ -5360,7 +5339,7 @@
               <a:t>dependencias</a:t>
             </a:r>
             <a:r>
-              <a:rPr lang="en-GB" sz="3200" dirty="0" smtClean="0">
+              <a:rPr lang="en-GB" sz="3200" dirty="0">
                 <a:solidFill>
                   <a:schemeClr val="tx1"/>
                 </a:solidFill>
@@ -5368,7 +5347,7 @@
               <a:t> del </a:t>
             </a:r>
             <a:r>
-              <a:rPr lang="en-GB" sz="3200" dirty="0" err="1" smtClean="0">
+              <a:rPr lang="en-GB" sz="3200" dirty="0" err="1">
                 <a:solidFill>
                   <a:schemeClr val="tx1"/>
                 </a:solidFill>
@@ -5376,14 +5355,14 @@
               <a:t>sistema</a:t>
             </a:r>
             <a:r>
-              <a:rPr lang="en-GB" sz="3200" dirty="0" smtClean="0">
+              <a:rPr lang="en-GB" sz="3200" dirty="0">
                 <a:solidFill>
                   <a:schemeClr val="tx1"/>
                 </a:solidFill>
               </a:rPr>
               <a:t>.</a:t>
             </a:r>
-            <a:endParaRPr lang="es-ES" dirty="0" err="1" smtClean="0">
+            <a:endParaRPr lang="es-ES" dirty="0" err="1">
               <a:solidFill>
                 <a:schemeClr val="tx1"/>
               </a:solidFill>
@@ -5433,13 +5412,6 @@
   <p:clrMapOvr>
     <a:masterClrMapping/>
   </p:clrMapOvr>
-  <p:timing>
-    <p:tnLst>
-      <p:par>
-        <p:cTn id="1" dur="indefinite" restart="never" nodeType="tmRoot"/>
-      </p:par>
-    </p:tnLst>
-  </p:timing>
 </p:sld>
 </file>
 
@@ -5476,7 +5448,7 @@
           <a:lstStyle/>
           <a:p>
             <a:r>
-              <a:rPr lang="es-CO" dirty="0" smtClean="0"/>
+              <a:rPr lang="es-CO" dirty="0"/>
               <a:t>MCV: Consecuencias</a:t>
             </a:r>
             <a:endParaRPr lang="en-US" dirty="0"/>
@@ -5506,14 +5478,14 @@
           <a:lstStyle/>
           <a:p>
             <a:r>
-              <a:rPr lang="es-ES" dirty="0" smtClean="0"/>
+              <a:rPr lang="es-ES" dirty="0"/>
               <a:t>Beneficios</a:t>
             </a:r>
           </a:p>
           <a:p>
             <a:pPr lvl="1"/>
             <a:r>
-              <a:rPr lang="es-ES" dirty="0" smtClean="0">
+              <a:rPr lang="es-ES" dirty="0">
                 <a:solidFill>
                   <a:schemeClr val="tx1"/>
                 </a:solidFill>
@@ -5524,7 +5496,7 @@
           <a:p>
             <a:pPr lvl="1"/>
             <a:r>
-              <a:rPr lang="es-ES" dirty="0" smtClean="0">
+              <a:rPr lang="es-ES" dirty="0">
                 <a:solidFill>
                   <a:schemeClr val="tx1"/>
                 </a:solidFill>
@@ -5535,7 +5507,7 @@
           <a:p>
             <a:pPr lvl="1"/>
             <a:r>
-              <a:rPr lang="es-ES" dirty="0" smtClean="0">
+              <a:rPr lang="es-ES" dirty="0">
                 <a:solidFill>
                   <a:schemeClr val="tx1"/>
                 </a:solidFill>
@@ -5545,14 +5517,14 @@
           </a:p>
           <a:p>
             <a:r>
-              <a:rPr lang="es-ES" dirty="0" smtClean="0"/>
+              <a:rPr lang="es-ES" dirty="0"/>
               <a:t>Desventajas:</a:t>
             </a:r>
           </a:p>
           <a:p>
             <a:pPr lvl="1"/>
             <a:r>
-              <a:rPr lang="es-ES" dirty="0" smtClean="0">
+              <a:rPr lang="es-ES" dirty="0">
                 <a:solidFill>
                   <a:schemeClr val="tx1"/>
                 </a:solidFill>
@@ -5563,7 +5535,7 @@
           <a:p>
             <a:pPr lvl="1"/>
             <a:r>
-              <a:rPr lang="es-ES" dirty="0" smtClean="0">
+              <a:rPr lang="es-ES" dirty="0">
                 <a:solidFill>
                   <a:schemeClr val="tx1"/>
                 </a:solidFill>
@@ -5574,7 +5546,7 @@
           <a:p>
             <a:pPr lvl="1"/>
             <a:r>
-              <a:rPr lang="es-ES" dirty="0" smtClean="0">
+              <a:rPr lang="es-ES" dirty="0">
                 <a:solidFill>
                   <a:schemeClr val="tx1"/>
                 </a:solidFill>
@@ -5612,35 +5584,35 @@
               </a:tabLst>
             </a:pPr>
             <a:r>
-              <a:rPr lang="en-GB" dirty="0" err="1" smtClean="0"/>
+              <a:rPr lang="en-GB" dirty="0" err="1"/>
               <a:t>gran</a:t>
             </a:r>
             <a:r>
-              <a:rPr lang="en-GB" dirty="0" smtClean="0"/>
+              <a:rPr lang="en-GB" dirty="0"/>
               <a:t> </a:t>
             </a:r>
             <a:r>
-              <a:rPr lang="en-GB" dirty="0" err="1" smtClean="0"/>
+              <a:rPr lang="en-GB" dirty="0" err="1"/>
               <a:t>acoplamiento</a:t>
             </a:r>
             <a:r>
-              <a:rPr lang="en-GB" dirty="0" smtClean="0"/>
+              <a:rPr lang="en-GB" dirty="0"/>
               <a:t> entre vistas y </a:t>
             </a:r>
             <a:r>
-              <a:rPr lang="en-GB" dirty="0" err="1" smtClean="0"/>
+              <a:rPr lang="en-GB" dirty="0" err="1"/>
               <a:t>controladores</a:t>
             </a:r>
             <a:r>
-              <a:rPr lang="en-GB" dirty="0" smtClean="0"/>
+              <a:rPr lang="en-GB" dirty="0"/>
               <a:t> con el </a:t>
             </a:r>
             <a:r>
-              <a:rPr lang="en-GB" dirty="0" err="1" smtClean="0"/>
+              <a:rPr lang="en-GB" dirty="0" err="1"/>
               <a:t>modelo</a:t>
             </a:r>
             <a:r>
-              <a:rPr lang="en-GB" dirty="0" smtClean="0"/>
+              <a:rPr lang="en-GB" dirty="0"/>
               <a:t>,</a:t>
             </a:r>
           </a:p>
@@ -5674,35 +5646,35 @@
               </a:tabLst>
             </a:pPr>
             <a:r>
-              <a:rPr lang="en-GB" dirty="0" err="1" smtClean="0"/>
+              <a:rPr lang="en-GB" dirty="0" err="1"/>
               <a:t>ineficiencia</a:t>
             </a:r>
             <a:r>
-              <a:rPr lang="en-GB" dirty="0" smtClean="0"/>
+              <a:rPr lang="en-GB" dirty="0"/>
               <a:t> en el </a:t>
             </a:r>
             <a:r>
-              <a:rPr lang="en-GB" dirty="0" err="1" smtClean="0"/>
+              <a:rPr lang="en-GB" dirty="0" err="1"/>
               <a:t>acceso</a:t>
             </a:r>
             <a:r>
-              <a:rPr lang="en-GB" dirty="0" smtClean="0"/>
+              <a:rPr lang="en-GB" dirty="0"/>
               <a:t> a los </a:t>
             </a:r>
             <a:r>
-              <a:rPr lang="en-GB" dirty="0" err="1" smtClean="0"/>
+              <a:rPr lang="en-GB" dirty="0" err="1"/>
               <a:t>datos</a:t>
             </a:r>
             <a:r>
-              <a:rPr lang="en-GB" dirty="0" smtClean="0"/>
+              <a:rPr lang="en-GB" dirty="0"/>
               <a:t> </a:t>
             </a:r>
             <a:r>
-              <a:rPr lang="en-GB" dirty="0" err="1" smtClean="0"/>
+              <a:rPr lang="en-GB" dirty="0" err="1"/>
               <a:t>desde</a:t>
             </a:r>
             <a:r>
-              <a:rPr lang="en-GB" dirty="0" smtClean="0"/>
+              <a:rPr lang="en-GB" dirty="0"/>
               <a:t> la vista,</a:t>
             </a:r>
           </a:p>
@@ -5736,43 +5708,43 @@
               </a:tabLst>
             </a:pPr>
             <a:r>
-              <a:rPr lang="en-GB" dirty="0" err="1" smtClean="0"/>
+              <a:rPr lang="en-GB" dirty="0" err="1"/>
               <a:t>cambios</a:t>
             </a:r>
             <a:r>
-              <a:rPr lang="en-GB" dirty="0" smtClean="0"/>
+              <a:rPr lang="en-GB" dirty="0"/>
               <a:t> </a:t>
             </a:r>
             <a:r>
-              <a:rPr lang="en-GB" dirty="0" err="1" smtClean="0"/>
+              <a:rPr lang="en-GB" dirty="0" err="1"/>
               <a:t>inevitables</a:t>
             </a:r>
             <a:r>
-              <a:rPr lang="en-GB" dirty="0" smtClean="0"/>
+              <a:rPr lang="en-GB" dirty="0"/>
               <a:t> a </a:t>
             </a:r>
             <a:r>
-              <a:rPr lang="en-GB" dirty="0" err="1" smtClean="0"/>
+              <a:rPr lang="en-GB" dirty="0" err="1"/>
               <a:t>las</a:t>
             </a:r>
             <a:r>
-              <a:rPr lang="en-GB" dirty="0" smtClean="0"/>
+              <a:rPr lang="en-GB" dirty="0"/>
               <a:t> vistas y </a:t>
             </a:r>
             <a:r>
-              <a:rPr lang="en-GB" dirty="0" err="1" smtClean="0"/>
+              <a:rPr lang="en-GB" dirty="0" err="1"/>
               <a:t>controladores</a:t>
             </a:r>
             <a:r>
-              <a:rPr lang="en-GB" dirty="0" smtClean="0"/>
+              <a:rPr lang="en-GB" dirty="0"/>
               <a:t> al </a:t>
             </a:r>
             <a:r>
-              <a:rPr lang="en-GB" dirty="0" err="1" smtClean="0"/>
+              <a:rPr lang="en-GB" dirty="0" err="1"/>
               <a:t>portarlos</a:t>
             </a:r>
             <a:r>
-              <a:rPr lang="en-GB" dirty="0" smtClean="0"/>
+              <a:rPr lang="en-GB" dirty="0"/>
               <a:t>,</a:t>
             </a:r>
           </a:p>
@@ -5806,43 +5778,43 @@
               </a:tabLst>
             </a:pPr>
             <a:r>
-              <a:rPr lang="en-GB" dirty="0" err="1" smtClean="0"/>
+              <a:rPr lang="en-GB" dirty="0" err="1"/>
               <a:t>difícil</a:t>
             </a:r>
             <a:r>
-              <a:rPr lang="en-GB" dirty="0" smtClean="0"/>
+              <a:rPr lang="en-GB" dirty="0"/>
               <a:t> </a:t>
             </a:r>
             <a:r>
-              <a:rPr lang="en-GB" dirty="0" err="1" smtClean="0"/>
+              <a:rPr lang="en-GB" dirty="0" err="1"/>
               <a:t>usar</a:t>
             </a:r>
             <a:r>
-              <a:rPr lang="en-GB" dirty="0" smtClean="0"/>
+              <a:rPr lang="en-GB" dirty="0"/>
               <a:t> MVC con </a:t>
             </a:r>
             <a:r>
-              <a:rPr lang="en-GB" dirty="0" err="1" smtClean="0"/>
+              <a:rPr lang="en-GB" dirty="0" err="1"/>
               <a:t>herramientas</a:t>
             </a:r>
             <a:r>
-              <a:rPr lang="en-GB" dirty="0" smtClean="0"/>
+              <a:rPr lang="en-GB" dirty="0"/>
               <a:t> </a:t>
             </a:r>
             <a:r>
-              <a:rPr lang="en-GB" dirty="0" err="1" smtClean="0"/>
+              <a:rPr lang="en-GB" dirty="0" err="1"/>
               <a:t>gráficas</a:t>
             </a:r>
             <a:r>
-              <a:rPr lang="en-GB" dirty="0" smtClean="0"/>
+              <a:rPr lang="en-GB" dirty="0"/>
               <a:t> </a:t>
             </a:r>
             <a:r>
-              <a:rPr lang="en-GB" dirty="0" err="1" smtClean="0"/>
+              <a:rPr lang="en-GB" dirty="0" err="1"/>
               <a:t>modernas</a:t>
             </a:r>
             <a:r>
-              <a:rPr lang="en-GB" dirty="0" smtClean="0"/>
+              <a:rPr lang="en-GB" dirty="0"/>
               <a:t>.</a:t>
             </a:r>
           </a:p>
@@ -5879,13 +5851,6 @@
   <p:clrMapOvr>
     <a:masterClrMapping/>
   </p:clrMapOvr>
-  <p:timing>
-    <p:tnLst>
-      <p:par>
-        <p:cTn id="1" dur="indefinite" restart="never" nodeType="tmRoot"/>
-      </p:par>
-    </p:tnLst>
-  </p:timing>
 </p:sld>
 </file>
 
@@ -5922,7 +5887,7 @@
           <a:lstStyle/>
           <a:p>
             <a:r>
-              <a:rPr lang="es-CO" dirty="0" smtClean="0"/>
+              <a:rPr lang="es-CO" dirty="0"/>
               <a:t>Modelo Vista Controlador (MVC)</a:t>
             </a:r>
             <a:endParaRPr lang="en-US" dirty="0"/>
@@ -5945,57 +5910,57 @@
           <a:lstStyle/>
           <a:p>
             <a:r>
-              <a:rPr lang="es-ES" dirty="0" smtClean="0"/>
+              <a:rPr lang="es-ES" dirty="0"/>
               <a:t>Utiliza los siguientes patrones de Diseño:</a:t>
             </a:r>
           </a:p>
           <a:p>
             <a:pPr lvl="1"/>
             <a:r>
-              <a:rPr lang="es-ES" dirty="0" err="1" smtClean="0"/>
+              <a:rPr lang="es-ES" dirty="0" err="1"/>
               <a:t>Observer</a:t>
             </a:r>
-            <a:endParaRPr lang="es-ES" dirty="0" smtClean="0"/>
+            <a:endParaRPr lang="es-ES" dirty="0"/>
           </a:p>
           <a:p>
             <a:pPr lvl="1"/>
             <a:r>
-              <a:rPr lang="es-ES" dirty="0" err="1" smtClean="0"/>
+              <a:rPr lang="es-ES" dirty="0" err="1"/>
               <a:t>Composite</a:t>
             </a:r>
-            <a:endParaRPr lang="es-ES" dirty="0" smtClean="0"/>
+            <a:endParaRPr lang="es-ES" dirty="0"/>
           </a:p>
           <a:p>
             <a:pPr lvl="1"/>
             <a:r>
-              <a:rPr lang="es-ES" dirty="0" err="1" smtClean="0"/>
+              <a:rPr lang="es-ES" dirty="0" err="1"/>
               <a:t>Strategy</a:t>
             </a:r>
-            <a:endParaRPr lang="es-ES" dirty="0" smtClean="0"/>
+            <a:endParaRPr lang="es-ES" dirty="0"/>
           </a:p>
           <a:p>
             <a:pPr lvl="1"/>
             <a:r>
-              <a:rPr lang="es-ES" dirty="0" err="1" smtClean="0"/>
+              <a:rPr lang="es-ES" dirty="0" err="1"/>
               <a:t>Decorator</a:t>
             </a:r>
-            <a:endParaRPr lang="es-ES" dirty="0" smtClean="0"/>
+            <a:endParaRPr lang="es-ES" dirty="0"/>
           </a:p>
           <a:p>
             <a:pPr lvl="1"/>
             <a:r>
-              <a:rPr lang="es-ES" dirty="0" err="1" smtClean="0"/>
+              <a:rPr lang="es-ES" dirty="0" err="1"/>
               <a:t>Factory</a:t>
             </a:r>
             <a:r>
-              <a:rPr lang="es-ES" dirty="0" smtClean="0"/>
+              <a:rPr lang="es-ES" dirty="0"/>
               <a:t> </a:t>
             </a:r>
             <a:r>
-              <a:rPr lang="es-ES" dirty="0" err="1" smtClean="0"/>
+              <a:rPr lang="es-ES" dirty="0" err="1"/>
               <a:t>method</a:t>
             </a:r>
-            <a:endParaRPr lang="es-ES" dirty="0" smtClean="0"/>
+            <a:endParaRPr lang="es-ES" dirty="0"/>
           </a:p>
           <a:p>
             <a:pPr>
@@ -6047,13 +6012,6 @@
   <p:clrMapOvr>
     <a:masterClrMapping/>
   </p:clrMapOvr>
-  <p:timing>
-    <p:tnLst>
-      <p:par>
-        <p:cTn id="1" dur="indefinite" restart="never" nodeType="tmRoot"/>
-      </p:par>
-    </p:tnLst>
-  </p:timing>
 </p:sld>
 </file>
 
@@ -6090,7 +6048,7 @@
           <a:lstStyle/>
           <a:p>
             <a:r>
-              <a:rPr lang="es-CO" dirty="0" smtClean="0"/>
+              <a:rPr lang="es-CO" dirty="0"/>
               <a:t>Recomendaciones Generales</a:t>
             </a:r>
             <a:endParaRPr lang="en-US" dirty="0"/>
@@ -6115,55 +6073,55 @@
           <a:lstStyle/>
           <a:p>
             <a:r>
-              <a:rPr lang="es-ES" sz="2400" dirty="0" smtClean="0"/>
+              <a:rPr lang="es-ES" sz="2400" dirty="0"/>
               <a:t>Desempeño. </a:t>
             </a:r>
           </a:p>
           <a:p>
             <a:pPr lvl="1"/>
             <a:r>
-              <a:rPr lang="es-ES" sz="2000" dirty="0" smtClean="0"/>
+              <a:rPr lang="es-ES" sz="2000" dirty="0"/>
               <a:t>Si el desempeño es un requisito crítico, la arquitectura debe estar diseñada para albergar las operaciones críticas, dentro de un número reducido de subsistemas (menos cambios de contexto).</a:t>
             </a:r>
           </a:p>
           <a:p>
             <a:pPr lvl="1"/>
             <a:r>
-              <a:rPr lang="es-ES" sz="2000" dirty="0" smtClean="0"/>
+              <a:rPr lang="es-ES" sz="2000" dirty="0"/>
               <a:t>Ojalá con poca comunicación entre ellos.</a:t>
             </a:r>
           </a:p>
           <a:p>
             <a:pPr lvl="1"/>
             <a:r>
-              <a:rPr lang="es-ES" sz="2000" dirty="0" smtClean="0"/>
+              <a:rPr lang="es-ES" sz="2000" dirty="0"/>
               <a:t>Esto significa utilizar componentes de grano grueso, de esa manera habrá menos componentes en el sistema.</a:t>
             </a:r>
           </a:p>
           <a:p>
             <a:r>
-              <a:rPr lang="es-ES" sz="2400" dirty="0" smtClean="0"/>
+              <a:rPr lang="es-ES" sz="2400" dirty="0"/>
               <a:t>Seguridad. </a:t>
             </a:r>
           </a:p>
           <a:p>
             <a:pPr lvl="1"/>
             <a:r>
-              <a:rPr lang="es-ES" sz="2000" dirty="0" smtClean="0"/>
+              <a:rPr lang="es-ES" sz="2000" dirty="0"/>
               <a:t>Si la seguridad es un requisito crítico, se debe utilizar una arquitectura estratificada (por capas).</a:t>
             </a:r>
           </a:p>
           <a:p>
             <a:pPr lvl="1"/>
             <a:r>
-              <a:rPr lang="es-ES" sz="2000" dirty="0" smtClean="0"/>
+              <a:rPr lang="es-ES" sz="2000" dirty="0"/>
               <a:t>Los recursos más críticos deben alojarse en las capas más inferiores (internas).</a:t>
             </a:r>
           </a:p>
           <a:p>
             <a:pPr lvl="1"/>
             <a:r>
-              <a:rPr lang="es-ES" sz="2000" dirty="0" smtClean="0"/>
+              <a:rPr lang="es-ES" sz="2000" dirty="0"/>
               <a:t>Cada capa debe proveer un mecanismo de validación, de acuerdo a la información que ésta maneja.</a:t>
             </a:r>
           </a:p>
@@ -6177,13 +6135,6 @@
   <p:clrMapOvr>
     <a:masterClrMapping/>
   </p:clrMapOvr>
-  <p:timing>
-    <p:tnLst>
-      <p:par>
-        <p:cTn id="1" dur="indefinite" restart="never" nodeType="tmRoot"/>
-      </p:par>
-    </p:tnLst>
-  </p:timing>
 </p:sld>
 </file>
 
@@ -6220,7 +6171,7 @@
           <a:lstStyle/>
           <a:p>
             <a:r>
-              <a:rPr lang="es-CO" dirty="0" smtClean="0"/>
+              <a:rPr lang="es-CO" dirty="0"/>
               <a:t>Recomendaciones Generales</a:t>
             </a:r>
             <a:endParaRPr lang="en-US" dirty="0"/>
@@ -6245,41 +6196,41 @@
           <a:lstStyle/>
           <a:p>
             <a:r>
-              <a:rPr lang="es-ES" dirty="0" smtClean="0"/>
+              <a:rPr lang="es-ES" dirty="0"/>
               <a:t>Protección (de operaciones). </a:t>
             </a:r>
           </a:p>
           <a:p>
             <a:pPr lvl="1"/>
             <a:r>
-              <a:rPr lang="es-ES" dirty="0" smtClean="0"/>
+              <a:rPr lang="es-ES" dirty="0"/>
               <a:t>Si la protección es un requisito crítico, la arquitectura debe estar diseñada de tal forma que las operaciones relacionadas con la protección, se localicen en único subsistema o en un conjunto muy reducido de estos.</a:t>
             </a:r>
           </a:p>
           <a:p>
             <a:pPr lvl="1"/>
             <a:r>
-              <a:rPr lang="es-ES" dirty="0" smtClean="0"/>
+              <a:rPr lang="es-ES" dirty="0"/>
               <a:t>Esto reduce los costos y los problemas de validación, y hace posible crear sistemas de protección relacionados.</a:t>
             </a:r>
           </a:p>
           <a:p>
             <a:r>
-              <a:rPr lang="es-ES" dirty="0" smtClean="0"/>
+              <a:rPr lang="es-ES" dirty="0"/>
               <a:t>Disponibilidad. </a:t>
             </a:r>
           </a:p>
           <a:p>
             <a:pPr lvl="1"/>
             <a:r>
-              <a:rPr lang="es-ES" dirty="0" smtClean="0"/>
+              <a:rPr lang="es-ES" dirty="0"/>
               <a:t>Si la disponibilidad es un requisito crítico, como parte de la arquitectura se deben incluir componentes redundantes. </a:t>
             </a:r>
           </a:p>
           <a:p>
             <a:pPr lvl="1"/>
             <a:r>
-              <a:rPr lang="es-ES" dirty="0" smtClean="0"/>
+              <a:rPr lang="es-ES" dirty="0"/>
               <a:t>Estos podrán reemplazar a los componentes con problemas, en caso de fallas.</a:t>
             </a:r>
           </a:p>
@@ -6293,13 +6244,6 @@
   <p:clrMapOvr>
     <a:masterClrMapping/>
   </p:clrMapOvr>
-  <p:timing>
-    <p:tnLst>
-      <p:par>
-        <p:cTn id="1" dur="indefinite" restart="never" nodeType="tmRoot"/>
-      </p:par>
-    </p:tnLst>
-  </p:timing>
 </p:sld>
 </file>
 
@@ -6336,7 +6280,7 @@
           <a:lstStyle/>
           <a:p>
             <a:r>
-              <a:rPr lang="es-CO" dirty="0" smtClean="0"/>
+              <a:rPr lang="es-CO" dirty="0"/>
               <a:t>Recomendaciones Generales</a:t>
             </a:r>
             <a:endParaRPr lang="en-US" dirty="0"/>
@@ -6361,69 +6305,69 @@
           <a:lstStyle/>
           <a:p>
             <a:r>
-              <a:rPr lang="es-ES" dirty="0" err="1" smtClean="0"/>
+              <a:rPr lang="es-ES" dirty="0" err="1"/>
               <a:t>Mantenibilidad</a:t>
             </a:r>
             <a:r>
-              <a:rPr lang="es-ES" dirty="0" smtClean="0"/>
+              <a:rPr lang="es-ES" dirty="0"/>
               <a:t>. </a:t>
             </a:r>
           </a:p>
           <a:p>
             <a:pPr lvl="1"/>
             <a:r>
-              <a:rPr lang="es-ES" dirty="0" smtClean="0"/>
+              <a:rPr lang="es-ES" dirty="0"/>
               <a:t>Si la </a:t>
             </a:r>
             <a:r>
-              <a:rPr lang="es-ES" dirty="0" err="1" smtClean="0"/>
+              <a:rPr lang="es-ES" dirty="0" err="1"/>
               <a:t>mantenibilidad</a:t>
             </a:r>
             <a:r>
-              <a:rPr lang="es-ES" dirty="0" smtClean="0"/>
+              <a:rPr lang="es-ES" dirty="0"/>
               <a:t> es un requisito crítico, la arquitectura debe estar diseñada utilizando componentes </a:t>
             </a:r>
             <a:r>
-              <a:rPr lang="es-ES" dirty="0" err="1" smtClean="0"/>
+              <a:rPr lang="es-ES" dirty="0" err="1"/>
               <a:t>autocontenidos</a:t>
             </a:r>
             <a:r>
-              <a:rPr lang="es-ES" dirty="0" smtClean="0"/>
+              <a:rPr lang="es-ES" dirty="0"/>
               <a:t> de grano fino.</a:t>
             </a:r>
           </a:p>
           <a:p>
             <a:pPr lvl="1"/>
             <a:r>
-              <a:rPr lang="es-ES" dirty="0" smtClean="0"/>
+              <a:rPr lang="es-ES" dirty="0"/>
               <a:t>Estos componentes pueden ser módulos o componentes de software bien definidos. </a:t>
             </a:r>
           </a:p>
           <a:p>
             <a:pPr lvl="1"/>
             <a:r>
-              <a:rPr lang="es-ES" dirty="0" smtClean="0"/>
+              <a:rPr lang="es-ES" dirty="0"/>
               <a:t>Estos podrán cambiarse o reemplazarse con facilidad, y con un mínimo efecto sobre el resto del sistema.</a:t>
             </a:r>
           </a:p>
           <a:p>
             <a:pPr lvl="1"/>
             <a:r>
-              <a:rPr lang="es-ES" dirty="0" smtClean="0"/>
+              <a:rPr lang="es-ES" dirty="0"/>
               <a:t>Los productores de datos deben estar separados de los consumidores.</a:t>
             </a:r>
           </a:p>
           <a:p>
             <a:pPr lvl="1"/>
             <a:r>
-              <a:rPr lang="es-ES" dirty="0" smtClean="0"/>
+              <a:rPr lang="es-ES" dirty="0"/>
               <a:t>Las estructuras de datos compartidas deben evitarse.</a:t>
             </a:r>
           </a:p>
           <a:p>
             <a:pPr lvl="1"/>
             <a:r>
-              <a:rPr lang="es-ES" dirty="0" smtClean="0"/>
+              <a:rPr lang="es-ES" dirty="0"/>
               <a:t>La circulación de órdenes de control entre módulos o subsistemas, también debe evitarse.</a:t>
             </a:r>
           </a:p>
@@ -6437,13 +6381,6 @@
   <p:clrMapOvr>
     <a:masterClrMapping/>
   </p:clrMapOvr>
-  <p:timing>
-    <p:tnLst>
-      <p:par>
-        <p:cTn id="1" dur="indefinite" restart="never" nodeType="tmRoot"/>
-      </p:par>
-    </p:tnLst>
-  </p:timing>
 </p:sld>
 </file>
 
@@ -6481,10 +6418,9 @@
           <a:p>
             <a:pPr algn="ctr"/>
             <a:r>
-              <a:rPr lang="es-CO" dirty="0" smtClean="0"/>
+              <a:rPr lang="es-CO" dirty="0"/>
               <a:t>Preguntas?</a:t>
             </a:r>
-            <a:endParaRPr lang="es-CO" dirty="0"/>
           </a:p>
         </p:txBody>
       </p:sp>
@@ -6519,13 +6455,6 @@
   <p:clrMapOvr>
     <a:masterClrMapping/>
   </p:clrMapOvr>
-  <p:timing>
-    <p:tnLst>
-      <p:par>
-        <p:cTn id="1" dur="indefinite" restart="never" nodeType="tmRoot"/>
-      </p:par>
-    </p:tnLst>
-  </p:timing>
 </p:sld>
 </file>
 
@@ -6584,7 +6513,7 @@
           <a:p>
             <a:pPr algn="ctr"/>
             <a:r>
-              <a:rPr lang="en-US" sz="6600" b="1" cap="all" dirty="0" smtClean="0">
+              <a:rPr lang="en-US" sz="6600" b="1" cap="all" dirty="0">
                 <a:ln w="0"/>
                 <a:solidFill>
                   <a:srgbClr val="0066CC">
@@ -6598,18 +6527,6 @@
               </a:rPr>
               <a:t>Gracias!!!</a:t>
             </a:r>
-            <a:endParaRPr lang="en-US" sz="6600" b="1" cap="all" dirty="0">
-              <a:ln w="0"/>
-              <a:solidFill>
-                <a:srgbClr val="0066CC">
-                  <a:alpha val="74000"/>
-                </a:srgbClr>
-              </a:solidFill>
-              <a:effectLst>
-                <a:reflection blurRad="12700" stA="50000" endPos="50000" dist="5000" dir="5400000" sy="-100000" rotWithShape="0"/>
-              </a:effectLst>
-              <a:latin typeface="Berlin Sans FB Demi" pitchFamily="34" charset="0"/>
-            </a:endParaRPr>
           </a:p>
         </p:txBody>
       </p:sp>
@@ -6618,13 +6535,6 @@
   <p:clrMapOvr>
     <a:masterClrMapping/>
   </p:clrMapOvr>
-  <p:timing>
-    <p:tnLst>
-      <p:par>
-        <p:cTn id="1" dur="indefinite" restart="never" nodeType="tmRoot"/>
-      </p:par>
-    </p:tnLst>
-  </p:timing>
 </p:sld>
 </file>
 
@@ -6661,12 +6571,8 @@
           <a:lstStyle/>
           <a:p>
             <a:r>
-              <a:rPr lang="es-CO" dirty="0" smtClean="0"/>
-              <a:t>Patrones </a:t>
-            </a:r>
-            <a:r>
-              <a:rPr lang="es-CO" dirty="0" smtClean="0"/>
-              <a:t>MVC</a:t>
+              <a:rPr lang="es-CO" dirty="0"/>
+              <a:t>Patrones MVC</a:t>
             </a:r>
             <a:endParaRPr lang="en-US" dirty="0"/>
           </a:p>
@@ -6690,23 +6596,15 @@
           <a:lstStyle/>
           <a:p>
             <a:r>
-              <a:rPr lang="es-CO" sz="3600" dirty="0" smtClean="0">
+              <a:rPr lang="es-CO" sz="3600" dirty="0">
                 <a:solidFill>
                   <a:schemeClr val="tx1"/>
                 </a:solidFill>
               </a:rPr>
-              <a:t>Modelo </a:t>
-            </a:r>
-            <a:r>
-              <a:rPr lang="es-CO" sz="3600" dirty="0" smtClean="0">
-                <a:solidFill>
-                  <a:schemeClr val="tx1"/>
-                </a:solidFill>
-              </a:rPr>
-              <a:t>Vista Controlador (</a:t>
-            </a:r>
-            <a:r>
-              <a:rPr lang="es-CO" sz="3600" b="1" dirty="0" smtClean="0">
+              <a:t>Modelo Vista Controlador (</a:t>
+            </a:r>
+            <a:r>
+              <a:rPr lang="es-CO" sz="3600" b="1" dirty="0">
                 <a:solidFill>
                   <a:srgbClr val="00B050"/>
                 </a:solidFill>
@@ -6714,7 +6612,7 @@
               <a:t>M</a:t>
             </a:r>
             <a:r>
-              <a:rPr lang="es-CO" sz="3600" b="1" dirty="0" smtClean="0">
+              <a:rPr lang="es-CO" sz="3600" b="1" dirty="0">
                 <a:solidFill>
                   <a:srgbClr val="FF0000"/>
                 </a:solidFill>
@@ -6722,7 +6620,7 @@
               <a:t>V</a:t>
             </a:r>
             <a:r>
-              <a:rPr lang="es-CO" sz="3600" b="1" dirty="0" smtClean="0">
+              <a:rPr lang="es-CO" sz="3600" b="1" dirty="0">
                 <a:solidFill>
                   <a:srgbClr val="7030A0"/>
                 </a:solidFill>
@@ -6730,7 +6628,7 @@
               <a:t>C</a:t>
             </a:r>
             <a:r>
-              <a:rPr lang="es-CO" sz="3600" dirty="0" smtClean="0">
+              <a:rPr lang="es-CO" sz="3600" dirty="0">
                 <a:solidFill>
                   <a:schemeClr val="tx1"/>
                 </a:solidFill>
@@ -6777,13 +6675,6 @@
   <p:clrMapOvr>
     <a:masterClrMapping/>
   </p:clrMapOvr>
-  <p:timing>
-    <p:tnLst>
-      <p:par>
-        <p:cTn id="1" dur="indefinite" restart="never" nodeType="tmRoot"/>
-      </p:par>
-    </p:tnLst>
-  </p:timing>
 </p:sld>
 </file>
 
@@ -6820,7 +6711,7 @@
           <a:lstStyle/>
           <a:p>
             <a:r>
-              <a:rPr lang="es-CO" dirty="0" smtClean="0"/>
+              <a:rPr lang="es-CO" dirty="0"/>
               <a:t>Modelo Vista Controlador (MVC)</a:t>
             </a:r>
             <a:endParaRPr lang="en-US" dirty="0"/>
@@ -6845,7 +6736,7 @@
           <a:lstStyle/>
           <a:p>
             <a:r>
-              <a:rPr lang="es-ES" dirty="0" smtClean="0">
+              <a:rPr lang="es-ES" dirty="0">
                 <a:solidFill>
                   <a:schemeClr val="tx1"/>
                 </a:solidFill>
@@ -6853,7 +6744,7 @@
               <a:t>El patrón de arquitectura de modelo-</a:t>
             </a:r>
             <a:r>
-              <a:rPr lang="es-ES" dirty="0" err="1" smtClean="0">
+              <a:rPr lang="es-ES" dirty="0" err="1">
                 <a:solidFill>
                   <a:schemeClr val="tx1"/>
                 </a:solidFill>
@@ -6861,7 +6752,7 @@
               <a:t>view</a:t>
             </a:r>
             <a:r>
-              <a:rPr lang="es-ES" dirty="0" smtClean="0">
+              <a:rPr lang="es-ES" dirty="0">
                 <a:solidFill>
                   <a:schemeClr val="tx1"/>
                 </a:solidFill>
@@ -6869,7 +6760,7 @@
               <a:t>-</a:t>
             </a:r>
             <a:r>
-              <a:rPr lang="es-ES" dirty="0" err="1" smtClean="0">
+              <a:rPr lang="es-ES" dirty="0" err="1">
                 <a:solidFill>
                   <a:schemeClr val="tx1"/>
                 </a:solidFill>
@@ -6877,7 +6768,7 @@
               <a:t>controller</a:t>
             </a:r>
             <a:r>
-              <a:rPr lang="es-ES" dirty="0" smtClean="0">
+              <a:rPr lang="es-ES" dirty="0">
                 <a:solidFill>
                   <a:schemeClr val="tx1"/>
                 </a:solidFill>
@@ -6888,7 +6779,7 @@
           <a:p>
             <a:pPr lvl="1"/>
             <a:r>
-              <a:rPr lang="es-ES" dirty="0" smtClean="0">
+              <a:rPr lang="es-ES" dirty="0">
                 <a:solidFill>
                   <a:schemeClr val="tx1"/>
                 </a:solidFill>
@@ -6899,7 +6790,7 @@
           <a:p>
             <a:pPr lvl="1"/>
             <a:r>
-              <a:rPr lang="es-ES" dirty="0" smtClean="0">
+              <a:rPr lang="es-ES" dirty="0">
                 <a:solidFill>
                   <a:schemeClr val="tx1"/>
                 </a:solidFill>
@@ -6910,7 +6801,7 @@
           <a:p>
             <a:pPr lvl="1"/>
             <a:r>
-              <a:rPr lang="es-ES" dirty="0" smtClean="0">
+              <a:rPr lang="es-ES" dirty="0">
                 <a:solidFill>
                   <a:schemeClr val="tx1"/>
                 </a:solidFill>
@@ -6921,7 +6812,7 @@
           <a:p>
             <a:pPr lvl="1"/>
             <a:r>
-              <a:rPr lang="es-ES" dirty="0" smtClean="0">
+              <a:rPr lang="es-ES" dirty="0">
                 <a:solidFill>
                   <a:schemeClr val="tx1"/>
                 </a:solidFill>
@@ -6932,7 +6823,7 @@
           <a:p>
             <a:pPr lvl="1"/>
             <a:r>
-              <a:rPr lang="es-ES" dirty="0" smtClean="0">
+              <a:rPr lang="es-ES" dirty="0">
                 <a:solidFill>
                   <a:schemeClr val="tx1"/>
                 </a:solidFill>
@@ -6987,13 +6878,6 @@
   <p:clrMapOvr>
     <a:masterClrMapping/>
   </p:clrMapOvr>
-  <p:timing>
-    <p:tnLst>
-      <p:par>
-        <p:cTn id="1" dur="indefinite" restart="never" nodeType="tmRoot"/>
-      </p:par>
-    </p:tnLst>
-  </p:timing>
 </p:sld>
 </file>
 
@@ -7030,7 +6914,7 @@
           <a:lstStyle/>
           <a:p>
             <a:r>
-              <a:rPr lang="es-CO" dirty="0" smtClean="0"/>
+              <a:rPr lang="es-CO" dirty="0"/>
               <a:t>Modelo Vista Controlador (MVC)</a:t>
             </a:r>
             <a:endParaRPr lang="en-US" dirty="0"/>
@@ -7088,7 +6972,7 @@
               </a:tabLst>
             </a:pPr>
             <a:r>
-              <a:rPr lang="en-GB" sz="2400" dirty="0" err="1" smtClean="0">
+              <a:rPr lang="en-GB" sz="2400" dirty="0" err="1">
                 <a:solidFill>
                   <a:schemeClr val="tx1"/>
                 </a:solidFill>
@@ -7096,7 +6980,7 @@
               <a:t>Utilizado</a:t>
             </a:r>
             <a:r>
-              <a:rPr lang="en-GB" sz="2400" dirty="0" smtClean="0">
+              <a:rPr lang="en-GB" sz="2400" dirty="0">
                 <a:solidFill>
                   <a:schemeClr val="tx1"/>
                 </a:solidFill>
@@ -7104,7 +6988,7 @@
               <a:t> </a:t>
             </a:r>
             <a:r>
-              <a:rPr lang="en-GB" sz="2400" dirty="0" err="1" smtClean="0">
+              <a:rPr lang="en-GB" sz="2400" dirty="0" err="1">
                 <a:solidFill>
                   <a:schemeClr val="tx1"/>
                 </a:solidFill>
@@ -7112,7 +6996,7 @@
               <a:t>para</a:t>
             </a:r>
             <a:r>
-              <a:rPr lang="en-GB" sz="2400" dirty="0" smtClean="0">
+              <a:rPr lang="en-GB" sz="2400" dirty="0">
                 <a:solidFill>
                   <a:schemeClr val="tx1"/>
                 </a:solidFill>
@@ -7120,7 +7004,7 @@
               <a:t> </a:t>
             </a:r>
             <a:r>
-              <a:rPr lang="en-GB" sz="2400" dirty="0" err="1" smtClean="0">
+              <a:rPr lang="en-GB" sz="2400" dirty="0" err="1">
                 <a:solidFill>
                   <a:schemeClr val="tx1"/>
                 </a:solidFill>
@@ -7128,7 +7012,7 @@
               <a:t>construir</a:t>
             </a:r>
             <a:r>
-              <a:rPr lang="en-GB" sz="2400" dirty="0" smtClean="0">
+              <a:rPr lang="en-GB" sz="2400" dirty="0">
                 <a:solidFill>
                   <a:schemeClr val="tx1"/>
                 </a:solidFill>
@@ -7136,7 +7020,7 @@
               <a:t> interfaces de </a:t>
             </a:r>
             <a:r>
-              <a:rPr lang="en-GB" sz="2400" dirty="0" err="1" smtClean="0">
+              <a:rPr lang="en-GB" sz="2400" dirty="0" err="1">
                 <a:solidFill>
                   <a:schemeClr val="tx1"/>
                 </a:solidFill>
@@ -7144,7 +7028,7 @@
               <a:t>usuario</a:t>
             </a:r>
             <a:r>
-              <a:rPr lang="en-GB" sz="2400" dirty="0" smtClean="0">
+              <a:rPr lang="en-GB" sz="2400" dirty="0">
                 <a:solidFill>
                   <a:schemeClr val="tx1"/>
                 </a:solidFill>
@@ -7182,7 +7066,7 @@
               </a:tabLst>
             </a:pPr>
             <a:r>
-              <a:rPr lang="en-GB" sz="2400" dirty="0" err="1" smtClean="0">
+              <a:rPr lang="en-GB" sz="2400" dirty="0" err="1">
                 <a:solidFill>
                   <a:schemeClr val="tx1"/>
                 </a:solidFill>
@@ -7190,7 +7074,7 @@
               <a:t>Basado</a:t>
             </a:r>
             <a:r>
-              <a:rPr lang="en-GB" sz="2400" dirty="0" smtClean="0">
+              <a:rPr lang="en-GB" sz="2400" dirty="0">
                 <a:solidFill>
                   <a:schemeClr val="tx1"/>
                 </a:solidFill>
@@ -7198,7 +7082,7 @@
               <a:t> en </a:t>
             </a:r>
             <a:r>
-              <a:rPr lang="en-GB" sz="2400" dirty="0" err="1" smtClean="0">
+              <a:rPr lang="en-GB" sz="2400" dirty="0" err="1">
                 <a:solidFill>
                   <a:schemeClr val="tx1"/>
                 </a:solidFill>
@@ -7206,7 +7090,7 @@
               <a:t>tres</a:t>
             </a:r>
             <a:r>
-              <a:rPr lang="en-GB" sz="2400" dirty="0" smtClean="0">
+              <a:rPr lang="en-GB" sz="2400" dirty="0">
                 <a:solidFill>
                   <a:schemeClr val="tx1"/>
                 </a:solidFill>
@@ -7214,7 +7098,7 @@
               <a:t> </a:t>
             </a:r>
             <a:r>
-              <a:rPr lang="en-GB" sz="2400" dirty="0" err="1" smtClean="0">
+              <a:rPr lang="en-GB" sz="2400" dirty="0" err="1">
                 <a:solidFill>
                   <a:schemeClr val="tx1"/>
                 </a:solidFill>
@@ -7222,7 +7106,7 @@
               <a:t>tipos</a:t>
             </a:r>
             <a:r>
-              <a:rPr lang="en-GB" sz="2400" dirty="0" smtClean="0">
+              <a:rPr lang="en-GB" sz="2400" dirty="0">
                 <a:solidFill>
                   <a:schemeClr val="tx1"/>
                 </a:solidFill>
@@ -7230,7 +7114,7 @@
               <a:t> de </a:t>
             </a:r>
             <a:r>
-              <a:rPr lang="en-GB" sz="2400" dirty="0" err="1" smtClean="0">
+              <a:rPr lang="en-GB" sz="2400" dirty="0" err="1">
                 <a:solidFill>
                   <a:schemeClr val="tx1"/>
                 </a:solidFill>
@@ -7238,7 +7122,7 @@
               <a:t>objetos</a:t>
             </a:r>
             <a:r>
-              <a:rPr lang="en-GB" sz="2400" dirty="0" smtClean="0">
+              <a:rPr lang="en-GB" sz="2400" dirty="0">
                 <a:solidFill>
                   <a:schemeClr val="tx1"/>
                 </a:solidFill>
@@ -7272,67 +7156,67 @@
               </a:tabLst>
             </a:pPr>
             <a:r>
-              <a:rPr lang="en-GB" sz="2400" b="1" dirty="0" err="1" smtClean="0"/>
+              <a:rPr lang="en-GB" sz="2400" b="1" dirty="0" err="1"/>
               <a:t>Modelo</a:t>
             </a:r>
             <a:r>
-              <a:rPr lang="en-GB" sz="2400" dirty="0" smtClean="0"/>
+              <a:rPr lang="en-GB" sz="2400" dirty="0"/>
               <a:t>: </a:t>
             </a:r>
             <a:r>
-              <a:rPr lang="en-GB" sz="2400" dirty="0" err="1" smtClean="0"/>
+              <a:rPr lang="en-GB" sz="2400" dirty="0" err="1"/>
               <a:t>objeto</a:t>
             </a:r>
             <a:r>
-              <a:rPr lang="en-GB" sz="2400" dirty="0" smtClean="0"/>
+              <a:rPr lang="en-GB" sz="2400" dirty="0"/>
               <a:t> </a:t>
             </a:r>
             <a:r>
-              <a:rPr lang="en-GB" sz="2400" dirty="0" err="1" smtClean="0"/>
+              <a:rPr lang="en-GB" sz="2400" dirty="0" err="1"/>
               <a:t>aplicación</a:t>
             </a:r>
             <a:r>
-              <a:rPr lang="en-GB" sz="2400" dirty="0" smtClean="0"/>
+              <a:rPr lang="en-GB" sz="2400" dirty="0"/>
               <a:t>. </a:t>
             </a:r>
             <a:r>
-              <a:rPr lang="en-GB" sz="2400" dirty="0" err="1" smtClean="0"/>
+              <a:rPr lang="en-GB" sz="2400" dirty="0" err="1"/>
               <a:t>Encapsula</a:t>
             </a:r>
             <a:r>
-              <a:rPr lang="en-GB" sz="2400" dirty="0" smtClean="0"/>
+              <a:rPr lang="en-GB" sz="2400" dirty="0"/>
               <a:t> el </a:t>
             </a:r>
             <a:r>
-              <a:rPr lang="en-GB" sz="2400" dirty="0" err="1" smtClean="0"/>
+              <a:rPr lang="en-GB" sz="2400" dirty="0" err="1"/>
               <a:t>núcleo</a:t>
             </a:r>
             <a:r>
-              <a:rPr lang="en-GB" sz="2400" dirty="0" smtClean="0"/>
+              <a:rPr lang="en-GB" sz="2400" dirty="0"/>
               <a:t> </a:t>
             </a:r>
             <a:r>
-              <a:rPr lang="en-GB" sz="2400" dirty="0" err="1" smtClean="0"/>
+              <a:rPr lang="en-GB" sz="2400" dirty="0" err="1"/>
               <a:t>funcional</a:t>
             </a:r>
             <a:r>
-              <a:rPr lang="en-GB" sz="2400" dirty="0" smtClean="0"/>
+              <a:rPr lang="en-GB" sz="2400" dirty="0"/>
               <a:t> y los </a:t>
             </a:r>
             <a:r>
-              <a:rPr lang="en-GB" sz="2400" dirty="0" err="1" smtClean="0"/>
+              <a:rPr lang="en-GB" sz="2400" dirty="0" err="1"/>
               <a:t>datos</a:t>
             </a:r>
             <a:r>
-              <a:rPr lang="en-GB" sz="2400" dirty="0" smtClean="0"/>
+              <a:rPr lang="en-GB" sz="2400" dirty="0"/>
               <a:t> </a:t>
             </a:r>
             <a:r>
-              <a:rPr lang="en-GB" sz="2400" dirty="0" err="1" smtClean="0"/>
+              <a:rPr lang="en-GB" sz="2400" dirty="0" err="1"/>
               <a:t>involucrados</a:t>
             </a:r>
             <a:r>
-              <a:rPr lang="en-GB" sz="2400" dirty="0" smtClean="0"/>
+              <a:rPr lang="en-GB" sz="2400" dirty="0"/>
               <a:t>. </a:t>
             </a:r>
           </a:p>
@@ -7362,51 +7246,51 @@
               </a:tabLst>
             </a:pPr>
             <a:r>
-              <a:rPr lang="en-GB" sz="2400" b="1" dirty="0" smtClean="0"/>
+              <a:rPr lang="en-GB" sz="2400" b="1" dirty="0"/>
               <a:t>Vistas</a:t>
             </a:r>
             <a:r>
-              <a:rPr lang="en-GB" sz="2400" dirty="0" smtClean="0"/>
+              <a:rPr lang="en-GB" sz="2400" dirty="0"/>
               <a:t>: </a:t>
             </a:r>
             <a:r>
-              <a:rPr lang="en-GB" sz="2400" dirty="0" err="1" smtClean="0"/>
+              <a:rPr lang="en-GB" sz="2400" dirty="0" err="1"/>
               <a:t>presentación</a:t>
             </a:r>
             <a:r>
-              <a:rPr lang="en-GB" sz="2400" dirty="0" smtClean="0"/>
+              <a:rPr lang="en-GB" sz="2400" dirty="0"/>
               <a:t> de </a:t>
             </a:r>
             <a:r>
-              <a:rPr lang="en-GB" sz="2400" dirty="0" err="1" smtClean="0"/>
+              <a:rPr lang="en-GB" sz="2400" dirty="0" err="1"/>
               <a:t>información</a:t>
             </a:r>
             <a:r>
-              <a:rPr lang="en-GB" sz="2400" dirty="0" smtClean="0"/>
+              <a:rPr lang="en-GB" sz="2400" dirty="0"/>
               <a:t> </a:t>
             </a:r>
             <a:r>
-              <a:rPr lang="en-GB" sz="2400" dirty="0" err="1" smtClean="0"/>
+              <a:rPr lang="en-GB" sz="2400" dirty="0" err="1"/>
               <a:t>por</a:t>
             </a:r>
             <a:r>
-              <a:rPr lang="en-GB" sz="2400" dirty="0" smtClean="0"/>
+              <a:rPr lang="en-GB" sz="2400" dirty="0"/>
               <a:t> </a:t>
             </a:r>
             <a:r>
-              <a:rPr lang="en-GB" sz="2400" dirty="0" err="1" smtClean="0"/>
+              <a:rPr lang="en-GB" sz="2400" dirty="0" err="1"/>
               <a:t>pantalla</a:t>
             </a:r>
             <a:r>
-              <a:rPr lang="en-GB" sz="2400" dirty="0" smtClean="0"/>
+              <a:rPr lang="en-GB" sz="2400" dirty="0"/>
               <a:t> (al </a:t>
             </a:r>
             <a:r>
-              <a:rPr lang="en-GB" sz="2400" dirty="0" err="1" smtClean="0"/>
+              <a:rPr lang="en-GB" sz="2400" dirty="0" err="1"/>
               <a:t>usuario</a:t>
             </a:r>
             <a:r>
-              <a:rPr lang="en-GB" sz="2400" dirty="0" smtClean="0"/>
+              <a:rPr lang="en-GB" sz="2400" dirty="0"/>
               <a:t>). </a:t>
             </a:r>
           </a:p>
@@ -7436,83 +7320,83 @@
               </a:tabLst>
             </a:pPr>
             <a:r>
-              <a:rPr lang="en-GB" sz="2400" b="1" dirty="0" err="1" smtClean="0"/>
+              <a:rPr lang="en-GB" sz="2400" b="1" dirty="0" err="1"/>
               <a:t>Controlador</a:t>
             </a:r>
             <a:r>
-              <a:rPr lang="en-GB" sz="2400" dirty="0" smtClean="0"/>
+              <a:rPr lang="en-GB" sz="2400" dirty="0"/>
               <a:t>: define la forma en la </a:t>
             </a:r>
             <a:r>
-              <a:rPr lang="en-GB" sz="2400" dirty="0" err="1" smtClean="0"/>
+              <a:rPr lang="en-GB" sz="2400" dirty="0" err="1"/>
               <a:t>que</a:t>
             </a:r>
             <a:r>
-              <a:rPr lang="en-GB" sz="2400" dirty="0" smtClean="0"/>
+              <a:rPr lang="en-GB" sz="2400" dirty="0"/>
               <a:t> </a:t>
             </a:r>
             <a:r>
-              <a:rPr lang="en-GB" sz="2400" dirty="0" err="1" smtClean="0"/>
+              <a:rPr lang="en-GB" sz="2400" dirty="0" err="1"/>
               <a:t>debe</a:t>
             </a:r>
             <a:r>
-              <a:rPr lang="en-GB" sz="2400" dirty="0" smtClean="0"/>
+              <a:rPr lang="en-GB" sz="2400" dirty="0"/>
               <a:t> </a:t>
             </a:r>
             <a:r>
-              <a:rPr lang="en-GB" sz="2400" dirty="0" err="1" smtClean="0"/>
+              <a:rPr lang="en-GB" sz="2400" dirty="0" err="1"/>
               <a:t>reaccionar</a:t>
             </a:r>
             <a:r>
-              <a:rPr lang="en-GB" sz="2400" dirty="0" smtClean="0"/>
+              <a:rPr lang="en-GB" sz="2400" dirty="0"/>
               <a:t> la </a:t>
             </a:r>
             <a:r>
-              <a:rPr lang="en-GB" sz="2400" dirty="0" err="1" smtClean="0"/>
+              <a:rPr lang="en-GB" sz="2400" dirty="0" err="1"/>
               <a:t>interfaz</a:t>
             </a:r>
             <a:r>
-              <a:rPr lang="en-GB" sz="2400" dirty="0" smtClean="0"/>
+              <a:rPr lang="en-GB" sz="2400" dirty="0"/>
               <a:t> del </a:t>
             </a:r>
             <a:r>
-              <a:rPr lang="en-GB" sz="2400" dirty="0" err="1" smtClean="0"/>
+              <a:rPr lang="en-GB" sz="2400" dirty="0" err="1"/>
               <a:t>usuario</a:t>
             </a:r>
             <a:r>
-              <a:rPr lang="en-GB" sz="2400" dirty="0" smtClean="0"/>
+              <a:rPr lang="en-GB" sz="2400" dirty="0"/>
               <a:t>, </a:t>
             </a:r>
             <a:r>
-              <a:rPr lang="en-GB" sz="2400" dirty="0" err="1" smtClean="0"/>
+              <a:rPr lang="en-GB" sz="2400" dirty="0" err="1"/>
               <a:t>frente</a:t>
             </a:r>
             <a:r>
-              <a:rPr lang="en-GB" sz="2400" dirty="0" smtClean="0"/>
+              <a:rPr lang="en-GB" sz="2400" dirty="0"/>
               <a:t> a la </a:t>
             </a:r>
             <a:r>
-              <a:rPr lang="en-GB" sz="2400" dirty="0" err="1" smtClean="0"/>
+              <a:rPr lang="en-GB" sz="2400" dirty="0" err="1"/>
               <a:t>entrada</a:t>
             </a:r>
             <a:r>
-              <a:rPr lang="en-GB" sz="2400" dirty="0" smtClean="0"/>
+              <a:rPr lang="en-GB" sz="2400" dirty="0"/>
               <a:t> de </a:t>
             </a:r>
             <a:r>
-              <a:rPr lang="en-GB" sz="2400" dirty="0" err="1" smtClean="0"/>
+              <a:rPr lang="en-GB" sz="2400" dirty="0" err="1"/>
               <a:t>datos</a:t>
             </a:r>
             <a:r>
-              <a:rPr lang="en-GB" sz="2400" dirty="0" smtClean="0"/>
+              <a:rPr lang="en-GB" sz="2400" dirty="0"/>
               <a:t> (del </a:t>
             </a:r>
             <a:r>
-              <a:rPr lang="en-GB" sz="2400" dirty="0" err="1" smtClean="0"/>
+              <a:rPr lang="en-GB" sz="2400" dirty="0" err="1"/>
               <a:t>usuario</a:t>
             </a:r>
             <a:r>
-              <a:rPr lang="en-GB" sz="2400" dirty="0" smtClean="0"/>
+              <a:rPr lang="en-GB" sz="2400" dirty="0"/>
               <a:t>).</a:t>
             </a:r>
           </a:p>
@@ -7546,7 +7430,7 @@
               </a:tabLst>
             </a:pPr>
             <a:r>
-              <a:rPr lang="en-GB" sz="2400" dirty="0" err="1" smtClean="0">
+              <a:rPr lang="en-GB" sz="2400" dirty="0" err="1">
                 <a:solidFill>
                   <a:schemeClr val="tx1"/>
                 </a:solidFill>
@@ -7554,7 +7438,7 @@
               <a:t>Desacopla</a:t>
             </a:r>
             <a:r>
-              <a:rPr lang="en-GB" sz="2400" dirty="0" smtClean="0">
+              <a:rPr lang="en-GB" sz="2400" dirty="0">
                 <a:solidFill>
                   <a:schemeClr val="tx1"/>
                 </a:solidFill>
@@ -7562,7 +7446,7 @@
               <a:t> el </a:t>
             </a:r>
             <a:r>
-              <a:rPr lang="en-GB" sz="2400" dirty="0" err="1" smtClean="0">
+              <a:rPr lang="en-GB" sz="2400" dirty="0" err="1">
                 <a:solidFill>
                   <a:schemeClr val="tx1"/>
                 </a:solidFill>
@@ -7570,7 +7454,7 @@
               <a:t>modelo</a:t>
             </a:r>
             <a:r>
-              <a:rPr lang="en-GB" sz="2400" dirty="0" smtClean="0">
+              <a:rPr lang="en-GB" sz="2400" dirty="0">
                 <a:solidFill>
                   <a:schemeClr val="tx1"/>
                 </a:solidFill>
@@ -7578,7 +7462,7 @@
               <a:t> de </a:t>
             </a:r>
             <a:r>
-              <a:rPr lang="en-GB" sz="2400" dirty="0" err="1" smtClean="0">
+              <a:rPr lang="en-GB" sz="2400" dirty="0" err="1">
                 <a:solidFill>
                   <a:schemeClr val="tx1"/>
                 </a:solidFill>
@@ -7586,7 +7470,7 @@
               <a:t>las</a:t>
             </a:r>
             <a:r>
-              <a:rPr lang="en-GB" sz="2400" dirty="0" smtClean="0">
+              <a:rPr lang="en-GB" sz="2400" dirty="0">
                 <a:solidFill>
                   <a:schemeClr val="tx1"/>
                 </a:solidFill>
@@ -7624,7 +7508,7 @@
               </a:tabLst>
             </a:pPr>
             <a:r>
-              <a:rPr lang="en-GB" sz="2400" dirty="0" err="1" smtClean="0">
+              <a:rPr lang="en-GB" sz="2400" dirty="0" err="1">
                 <a:solidFill>
                   <a:schemeClr val="tx1"/>
                 </a:solidFill>
@@ -7632,7 +7516,7 @@
               <a:t>Hace</a:t>
             </a:r>
             <a:r>
-              <a:rPr lang="en-GB" sz="2400" dirty="0" smtClean="0">
+              <a:rPr lang="en-GB" sz="2400" dirty="0">
                 <a:solidFill>
                   <a:schemeClr val="tx1"/>
                 </a:solidFill>
@@ -7640,7 +7524,7 @@
               <a:t> a los </a:t>
             </a:r>
             <a:r>
-              <a:rPr lang="en-GB" sz="2400" dirty="0" err="1" smtClean="0">
+              <a:rPr lang="en-GB" sz="2400" dirty="0" err="1">
                 <a:solidFill>
                   <a:schemeClr val="tx1"/>
                 </a:solidFill>
@@ -7648,7 +7532,7 @@
               <a:t>sistemas</a:t>
             </a:r>
             <a:r>
-              <a:rPr lang="en-GB" sz="2400" dirty="0" smtClean="0">
+              <a:rPr lang="en-GB" sz="2400" dirty="0">
                 <a:solidFill>
                   <a:schemeClr val="tx1"/>
                 </a:solidFill>
@@ -7656,7 +7540,7 @@
               <a:t> </a:t>
             </a:r>
             <a:r>
-              <a:rPr lang="en-GB" sz="2400" dirty="0" err="1" smtClean="0">
+              <a:rPr lang="en-GB" sz="2400" dirty="0" err="1">
                 <a:solidFill>
                   <a:schemeClr val="tx1"/>
                 </a:solidFill>
@@ -7664,7 +7548,7 @@
               <a:t>más</a:t>
             </a:r>
             <a:r>
-              <a:rPr lang="en-GB" sz="2400" dirty="0" smtClean="0">
+              <a:rPr lang="en-GB" sz="2400" dirty="0">
                 <a:solidFill>
                   <a:schemeClr val="tx1"/>
                 </a:solidFill>
@@ -7672,7 +7556,7 @@
               <a:t> </a:t>
             </a:r>
             <a:r>
-              <a:rPr lang="en-GB" sz="2400" dirty="0" err="1" smtClean="0">
+              <a:rPr lang="en-GB" sz="2400" dirty="0" err="1">
                 <a:solidFill>
                   <a:schemeClr val="tx1"/>
                 </a:solidFill>
@@ -7680,7 +7564,7 @@
               <a:t>mantenibles</a:t>
             </a:r>
             <a:r>
-              <a:rPr lang="en-GB" sz="2400" dirty="0" smtClean="0">
+              <a:rPr lang="en-GB" sz="2400" dirty="0">
                 <a:solidFill>
                   <a:schemeClr val="tx1"/>
                 </a:solidFill>
@@ -7688,7 +7572,7 @@
               <a:t>, </a:t>
             </a:r>
             <a:r>
-              <a:rPr lang="en-GB" sz="2400" dirty="0" err="1" smtClean="0">
+              <a:rPr lang="en-GB" sz="2400" dirty="0" err="1">
                 <a:solidFill>
                   <a:schemeClr val="tx1"/>
                 </a:solidFill>
@@ -7696,7 +7580,7 @@
               <a:t>flexibles</a:t>
             </a:r>
             <a:r>
-              <a:rPr lang="en-GB" sz="2400" dirty="0" smtClean="0">
+              <a:rPr lang="en-GB" sz="2400" dirty="0">
                 <a:solidFill>
                   <a:schemeClr val="tx1"/>
                 </a:solidFill>
@@ -7704,7 +7588,7 @@
               <a:t> y </a:t>
             </a:r>
             <a:r>
-              <a:rPr lang="en-GB" sz="2400" dirty="0" err="1" smtClean="0">
+              <a:rPr lang="en-GB" sz="2400" dirty="0" err="1">
                 <a:solidFill>
                   <a:schemeClr val="tx1"/>
                 </a:solidFill>
@@ -7712,7 +7596,7 @@
               <a:t>adaptables</a:t>
             </a:r>
             <a:r>
-              <a:rPr lang="en-GB" sz="2400" dirty="0" smtClean="0">
+              <a:rPr lang="en-GB" sz="2400" dirty="0">
                 <a:solidFill>
                   <a:schemeClr val="tx1"/>
                 </a:solidFill>
@@ -7727,13 +7611,6 @@
   <p:clrMapOvr>
     <a:masterClrMapping/>
   </p:clrMapOvr>
-  <p:timing>
-    <p:tnLst>
-      <p:par>
-        <p:cTn id="1" dur="indefinite" restart="never" nodeType="tmRoot"/>
-      </p:par>
-    </p:tnLst>
-  </p:timing>
 </p:sld>
 </file>
 
@@ -7770,7 +7647,7 @@
           <a:lstStyle/>
           <a:p>
             <a:r>
-              <a:rPr lang="es-CO" dirty="0" smtClean="0"/>
+              <a:rPr lang="es-CO" dirty="0"/>
               <a:t>Modelo Vista Controlador (MVC)</a:t>
             </a:r>
             <a:endParaRPr lang="en-US" dirty="0"/>
@@ -7795,69 +7672,69 @@
           <a:lstStyle/>
           <a:p>
             <a:r>
-              <a:rPr lang="es-ES" dirty="0" smtClean="0"/>
+              <a:rPr lang="es-ES" dirty="0"/>
               <a:t>Contexto</a:t>
             </a:r>
           </a:p>
           <a:p>
             <a:pPr lvl="1"/>
             <a:r>
-              <a:rPr lang="es-ES" dirty="0" smtClean="0"/>
+              <a:rPr lang="es-ES" dirty="0"/>
               <a:t>Aplicaciones interactivas con interfaces humano-computador cambiantes y flexibles.</a:t>
             </a:r>
           </a:p>
           <a:p>
             <a:r>
-              <a:rPr lang="es-ES" dirty="0" smtClean="0"/>
+              <a:rPr lang="es-ES" dirty="0"/>
               <a:t>Problema:</a:t>
             </a:r>
           </a:p>
           <a:p>
             <a:pPr lvl="1"/>
             <a:r>
-              <a:rPr lang="es-ES" dirty="0" smtClean="0"/>
+              <a:rPr lang="es-ES" dirty="0"/>
               <a:t>Las interfaces de usuario son muy frecuentemente cambiadas.</a:t>
             </a:r>
           </a:p>
           <a:p>
             <a:pPr lvl="1"/>
             <a:r>
-              <a:rPr lang="es-ES" dirty="0" smtClean="0"/>
+              <a:rPr lang="es-ES" dirty="0"/>
               <a:t>Cambios en la funcionalidad deben reflejarse en las interfaces.</a:t>
             </a:r>
           </a:p>
           <a:p>
             <a:pPr lvl="1"/>
             <a:r>
-              <a:rPr lang="es-ES" dirty="0" smtClean="0"/>
+              <a:rPr lang="es-ES" dirty="0"/>
               <a:t>Puede haber interfaces a medida para ciertos usuarios.</a:t>
             </a:r>
           </a:p>
           <a:p>
             <a:pPr lvl="1"/>
             <a:r>
-              <a:rPr lang="es-ES" dirty="0" smtClean="0"/>
+              <a:rPr lang="es-ES" dirty="0"/>
               <a:t>Diferentes paradigmas de interfaz: </a:t>
             </a:r>
           </a:p>
           <a:p>
             <a:pPr lvl="2"/>
             <a:r>
-              <a:rPr lang="es-ES" dirty="0" smtClean="0"/>
+              <a:rPr lang="es-ES" dirty="0"/>
               <a:t>digitar información,</a:t>
             </a:r>
           </a:p>
           <a:p>
             <a:pPr lvl="2"/>
             <a:r>
-              <a:rPr lang="es-ES" dirty="0" smtClean="0"/>
+              <a:rPr lang="es-ES" dirty="0"/>
               <a:t>seleccionar íconos.</a:t>
             </a:r>
           </a:p>
           <a:p>
             <a:pPr lvl="1"/>
             <a:r>
-              <a:rPr lang="es-ES" dirty="0" smtClean="0"/>
+              <a:rPr lang="es-ES" dirty="0"/>
               <a:t>Construir un sistema monolítico es caro y difícil.</a:t>
             </a:r>
           </a:p>
@@ -7905,13 +7782,6 @@
   <p:clrMapOvr>
     <a:masterClrMapping/>
   </p:clrMapOvr>
-  <p:timing>
-    <p:tnLst>
-      <p:par>
-        <p:cTn id="1" dur="indefinite" restart="never" nodeType="tmRoot"/>
-      </p:par>
-    </p:tnLst>
-  </p:timing>
 </p:sld>
 </file>
 
@@ -7948,7 +7818,7 @@
           <a:lstStyle/>
           <a:p>
             <a:r>
-              <a:rPr lang="es-CO" dirty="0" smtClean="0"/>
+              <a:rPr lang="es-CO" dirty="0"/>
               <a:t>Modelo Vista Controlador (MVC)</a:t>
             </a:r>
             <a:endParaRPr lang="en-US" dirty="0"/>
@@ -7973,40 +7843,40 @@
           <a:lstStyle/>
           <a:p>
             <a:r>
-              <a:rPr lang="es-ES" dirty="0" smtClean="0"/>
+              <a:rPr lang="es-ES" dirty="0"/>
               <a:t>Fuerzas</a:t>
             </a:r>
           </a:p>
           <a:p>
             <a:pPr lvl="1"/>
             <a:r>
-              <a:rPr lang="es-ES" dirty="0" smtClean="0"/>
+              <a:rPr lang="es-ES" dirty="0"/>
               <a:t>la misma información se presenta de distintas formas</a:t>
             </a:r>
           </a:p>
           <a:p>
             <a:pPr lvl="1"/>
             <a:r>
-              <a:rPr lang="es-ES" dirty="0" smtClean="0"/>
+              <a:rPr lang="es-ES" dirty="0"/>
               <a:t>cambios en los datos deben reflejarse en la interfaz inmediatamente</a:t>
             </a:r>
           </a:p>
           <a:p>
             <a:pPr lvl="1"/>
             <a:r>
-              <a:rPr lang="es-ES" dirty="0" smtClean="0"/>
+              <a:rPr lang="es-ES" dirty="0"/>
               <a:t>las interfaces deben modificarse fácilmente, ojalá durante la ejecución</a:t>
             </a:r>
           </a:p>
           <a:p>
             <a:pPr lvl="1"/>
             <a:r>
-              <a:rPr lang="es-ES" dirty="0" smtClean="0"/>
+              <a:rPr lang="es-ES" dirty="0"/>
               <a:t>distintas interfaces portables no deben afectar la operación esencial.</a:t>
             </a:r>
           </a:p>
           <a:p>
-            <a:endParaRPr lang="es-ES" dirty="0" smtClean="0"/>
+            <a:endParaRPr lang="es-ES" dirty="0"/>
           </a:p>
         </p:txBody>
       </p:sp>
@@ -8052,13 +7922,6 @@
   <p:clrMapOvr>
     <a:masterClrMapping/>
   </p:clrMapOvr>
-  <p:timing>
-    <p:tnLst>
-      <p:par>
-        <p:cTn id="1" dur="indefinite" restart="never" nodeType="tmRoot"/>
-      </p:par>
-    </p:tnLst>
-  </p:timing>
 </p:sld>
 </file>
 
@@ -8095,7 +7958,7 @@
           <a:lstStyle/>
           <a:p>
             <a:r>
-              <a:rPr lang="es-CO" dirty="0" smtClean="0"/>
+              <a:rPr lang="es-CO" dirty="0"/>
               <a:t>Modelo Vista Controlador (MVC)</a:t>
             </a:r>
             <a:endParaRPr lang="en-US" dirty="0"/>
@@ -8120,42 +7983,42 @@
           <a:lstStyle/>
           <a:p>
             <a:r>
-              <a:rPr lang="es-ES" dirty="0" smtClean="0"/>
+              <a:rPr lang="es-ES" dirty="0"/>
               <a:t>Solución:</a:t>
             </a:r>
           </a:p>
           <a:p>
             <a:pPr lvl="1"/>
             <a:r>
-              <a:rPr lang="es-ES" dirty="0" smtClean="0"/>
+              <a:rPr lang="es-ES" dirty="0"/>
               <a:t>MVC divide la aplicación en procesamiento, input y output.</a:t>
             </a:r>
           </a:p>
           <a:p>
             <a:pPr lvl="1"/>
             <a:r>
-              <a:rPr lang="es-ES" dirty="0" smtClean="0"/>
+              <a:rPr lang="es-ES" dirty="0"/>
               <a:t>El modelo representa la funcionalidad y los datos esenciales y es independiente de la representación en las interfaces.</a:t>
             </a:r>
           </a:p>
           <a:p>
             <a:pPr lvl="1"/>
             <a:r>
-              <a:rPr lang="es-ES" dirty="0" smtClean="0"/>
+              <a:rPr lang="es-ES" dirty="0"/>
               <a:t>La vista obtiene datos del modelo y los despliega para el usuario.</a:t>
             </a:r>
           </a:p>
           <a:p>
             <a:pPr lvl="1"/>
             <a:r>
-              <a:rPr lang="es-ES" dirty="0" smtClean="0"/>
+              <a:rPr lang="es-ES" dirty="0"/>
               <a:t>Cada vista tiene asociada un controlador. El controlador recibe eventos como input (movimientos del mouse, activación de botones) y los traduce a solicitudes de servicios del modelo o la vista.</a:t>
             </a:r>
           </a:p>
           <a:p>
             <a:pPr lvl="1"/>
             <a:r>
-              <a:rPr lang="es-ES" dirty="0" smtClean="0"/>
+              <a:rPr lang="es-ES" dirty="0"/>
               <a:t>El usuario interactúa con el modelo solamente a través de controladores.</a:t>
             </a:r>
           </a:p>
@@ -8203,13 +8066,6 @@
   <p:clrMapOvr>
     <a:masterClrMapping/>
   </p:clrMapOvr>
-  <p:timing>
-    <p:tnLst>
-      <p:par>
-        <p:cTn id="1" dur="indefinite" restart="never" nodeType="tmRoot"/>
-      </p:par>
-    </p:tnLst>
-  </p:timing>
 </p:sld>
 </file>
 
@@ -8246,7 +8102,7 @@
           <a:lstStyle/>
           <a:p>
             <a:r>
-              <a:rPr lang="es-CO" dirty="0" smtClean="0"/>
+              <a:rPr lang="es-CO" dirty="0"/>
               <a:t>Modelo Vista Controlador (MVC)</a:t>
             </a:r>
             <a:endParaRPr lang="en-US" dirty="0"/>
@@ -8271,40 +8127,45 @@
           <a:lstStyle/>
           <a:p>
             <a:r>
-              <a:rPr lang="es-ES" dirty="0" smtClean="0"/>
+              <a:rPr lang="es-ES" dirty="0"/>
               <a:t>Estructura:</a:t>
             </a:r>
           </a:p>
           <a:p>
             <a:pPr lvl="1"/>
             <a:r>
-              <a:rPr lang="es-ES" b="1" dirty="0" smtClean="0"/>
+              <a:rPr lang="es-ES" b="1" dirty="0"/>
               <a:t>Modelo</a:t>
             </a:r>
           </a:p>
           <a:p>
             <a:pPr lvl="2"/>
             <a:r>
-              <a:rPr lang="es-ES" dirty="0" smtClean="0"/>
-              <a:t>encapsula la información esencial y exporta procedimientos que realizan procesamiento específico de la aplicación;</a:t>
-            </a:r>
+              <a:rPr lang="es-ES" dirty="0"/>
+              <a:t>encapsula la información esencial y exporta procedimientos que realizan procesamiento específico de </a:t>
+            </a:r>
+            <a:r>
+              <a:rPr lang="es-ES"/>
+              <a:t>la aplicación</a:t>
+            </a:r>
+            <a:endParaRPr lang="es-ES" dirty="0"/>
           </a:p>
           <a:p>
             <a:pPr lvl="2"/>
             <a:r>
-              <a:rPr lang="es-ES" dirty="0" smtClean="0"/>
-              <a:t>provee funciones para que las vistas accedan a la información;</a:t>
+              <a:rPr lang="es-ES" dirty="0"/>
+              <a:t>provee funciones para que las vistas accedan a la información</a:t>
             </a:r>
           </a:p>
           <a:p>
             <a:pPr lvl="2"/>
             <a:r>
-              <a:rPr lang="es-ES" dirty="0" smtClean="0"/>
+              <a:rPr lang="es-ES" dirty="0"/>
               <a:t>el mecanismo de cambio-propagación mantiene informados a las vistas y a los controladores dependientes.</a:t>
             </a:r>
           </a:p>
           <a:p>
-            <a:endParaRPr lang="es-ES" dirty="0" smtClean="0"/>
+            <a:endParaRPr lang="es-ES" dirty="0"/>
           </a:p>
         </p:txBody>
       </p:sp>
@@ -8350,13 +8211,6 @@
   <p:clrMapOvr>
     <a:masterClrMapping/>
   </p:clrMapOvr>
-  <p:timing>
-    <p:tnLst>
-      <p:par>
-        <p:cTn id="1" dur="indefinite" restart="never" nodeType="tmRoot"/>
-      </p:par>
-    </p:tnLst>
-  </p:timing>
 </p:sld>
 </file>
 
@@ -8393,7 +8247,7 @@
           <a:lstStyle/>
           <a:p>
             <a:r>
-              <a:rPr lang="es-CO" dirty="0" smtClean="0"/>
+              <a:rPr lang="es-CO" dirty="0"/>
               <a:t>Modelo Vista Controlador (MVC)</a:t>
             </a:r>
             <a:endParaRPr lang="en-US" dirty="0"/>
@@ -8418,54 +8272,54 @@
           <a:lstStyle/>
           <a:p>
             <a:r>
-              <a:rPr lang="es-ES" dirty="0" smtClean="0"/>
+              <a:rPr lang="es-ES" dirty="0"/>
               <a:t>Estructura</a:t>
             </a:r>
           </a:p>
           <a:p>
             <a:pPr lvl="1"/>
             <a:r>
-              <a:rPr lang="es-ES" b="1" dirty="0" smtClean="0"/>
+              <a:rPr lang="es-ES" b="1" dirty="0"/>
               <a:t>Vista</a:t>
             </a:r>
           </a:p>
           <a:p>
             <a:pPr lvl="2"/>
             <a:r>
-              <a:rPr lang="es-ES" dirty="0" smtClean="0"/>
+              <a:rPr lang="es-ES" dirty="0"/>
               <a:t>despliega los datos para el usuario;</a:t>
             </a:r>
           </a:p>
           <a:p>
             <a:pPr lvl="2"/>
             <a:r>
-              <a:rPr lang="es-ES" dirty="0" smtClean="0"/>
+              <a:rPr lang="es-ES" dirty="0"/>
               <a:t>tienen procedimientos de actualización para recibir nuevos datos.</a:t>
             </a:r>
           </a:p>
           <a:p>
             <a:pPr lvl="1"/>
             <a:r>
-              <a:rPr lang="es-ES" b="1" dirty="0" smtClean="0"/>
+              <a:rPr lang="es-ES" b="1" dirty="0"/>
               <a:t>Controlador</a:t>
             </a:r>
           </a:p>
           <a:p>
             <a:pPr lvl="2"/>
             <a:r>
-              <a:rPr lang="es-ES" dirty="0" smtClean="0"/>
+              <a:rPr lang="es-ES" dirty="0"/>
               <a:t>existe un controlador para cada vista;</a:t>
             </a:r>
           </a:p>
           <a:p>
             <a:pPr lvl="2"/>
             <a:r>
-              <a:rPr lang="es-ES" dirty="0" smtClean="0"/>
+              <a:rPr lang="es-ES" dirty="0"/>
               <a:t>recibe los inputs de una vista como eventos y los interpreta.</a:t>
             </a:r>
           </a:p>
           <a:p>
-            <a:endParaRPr lang="es-ES" dirty="0" smtClean="0"/>
+            <a:endParaRPr lang="es-ES" dirty="0"/>
           </a:p>
         </p:txBody>
       </p:sp>
@@ -8511,13 +8365,6 @@
   <p:clrMapOvr>
     <a:masterClrMapping/>
   </p:clrMapOvr>
-  <p:timing>
-    <p:tnLst>
-      <p:par>
-        <p:cTn id="1" dur="indefinite" restart="never" nodeType="tmRoot"/>
-      </p:par>
-    </p:tnLst>
-  </p:timing>
 </p:sld>
 </file>
 
